--- a/TokyoR80_opening.pptx
+++ b/TokyoR80_opening.pptx
@@ -5,16 +5,22 @@
     <p:sldMasterId id="2147483660" r:id="rId1"/>
   </p:sldMasterIdLst>
   <p:notesMasterIdLst>
-    <p:notesMasterId r:id="rId9"/>
+    <p:notesMasterId r:id="rId15"/>
   </p:notesMasterIdLst>
   <p:sldIdLst>
     <p:sldId id="256" r:id="rId2"/>
     <p:sldId id="259" r:id="rId3"/>
-    <p:sldId id="261" r:id="rId4"/>
-    <p:sldId id="262" r:id="rId5"/>
-    <p:sldId id="257" r:id="rId6"/>
-    <p:sldId id="260" r:id="rId7"/>
+    <p:sldId id="264" r:id="rId4"/>
+    <p:sldId id="265" r:id="rId5"/>
+    <p:sldId id="261" r:id="rId6"/>
+    <p:sldId id="262" r:id="rId7"/>
     <p:sldId id="263" r:id="rId8"/>
+    <p:sldId id="271" r:id="rId9"/>
+    <p:sldId id="272" r:id="rId10"/>
+    <p:sldId id="268" r:id="rId11"/>
+    <p:sldId id="269" r:id="rId12"/>
+    <p:sldId id="270" r:id="rId13"/>
+    <p:sldId id="267" r:id="rId14"/>
   </p:sldIdLst>
   <p:sldSz cx="9144000" cy="6858000" type="screen4x3"/>
   <p:notesSz cx="6858000" cy="9144000"/>
@@ -3647,7 +3653,7 @@
         </p:blipFill>
         <p:spPr>
           <a:xfrm>
-            <a:off x="653767" y="1134082"/>
+            <a:off x="653767" y="420402"/>
             <a:ext cx="8005491" cy="3058794"/>
           </a:xfrm>
           <a:prstGeom prst="rect">
@@ -3663,7 +3669,7 @@
         </p:nvSpPr>
         <p:spPr>
           <a:xfrm>
-            <a:off x="769441" y="1134082"/>
+            <a:off x="769441" y="420402"/>
             <a:ext cx="1723549" cy="1200329"/>
           </a:xfrm>
           <a:prstGeom prst="rect">
@@ -3693,7 +3699,7 @@
         </p:nvSpPr>
         <p:spPr>
           <a:xfrm>
-            <a:off x="6166268" y="4192876"/>
+            <a:off x="6166268" y="3479196"/>
             <a:ext cx="2492990" cy="646331"/>
           </a:xfrm>
           <a:prstGeom prst="rect">
@@ -3708,8 +3714,8 @@
           <a:lstStyle/>
           <a:p>
             <a:r>
-              <a:rPr kumimoji="1" lang="en-US" altLang="ja-JP" sz="3600" smtClean="0"/>
-              <a:t>2019.07.26</a:t>
+              <a:rPr kumimoji="1" lang="en-US" altLang="ja-JP" sz="3600" dirty="0" smtClean="0"/>
+              <a:t>2019.07.27</a:t>
             </a:r>
             <a:endParaRPr kumimoji="1" lang="ja-JP" altLang="en-US" sz="3600" dirty="0"/>
           </a:p>
@@ -3738,7 +3744,7 @@
         </p:blipFill>
         <p:spPr bwMode="auto">
           <a:xfrm>
-            <a:off x="4775596" y="4839207"/>
+            <a:off x="4775596" y="4125527"/>
             <a:ext cx="4368404" cy="1528940"/>
           </a:xfrm>
           <a:prstGeom prst="rect">
@@ -3779,7 +3785,7 @@
         </p:blipFill>
         <p:spPr bwMode="auto">
           <a:xfrm>
-            <a:off x="769441" y="5112392"/>
+            <a:off x="769441" y="4398712"/>
             <a:ext cx="4049119" cy="911261"/>
           </a:xfrm>
           <a:prstGeom prst="rect">
@@ -3801,6 +3807,1008 @@
     <p:extLst>
       <p:ext uri="{BB962C8B-B14F-4D97-AF65-F5344CB8AC3E}">
         <p14:creationId xmlns:p14="http://schemas.microsoft.com/office/powerpoint/2010/main" val="1151716031"/>
+      </p:ext>
+    </p:extLst>
+  </p:cSld>
+  <p:clrMapOvr>
+    <a:masterClrMapping/>
+  </p:clrMapOvr>
+</p:sld>
+</file>
+
+<file path=ppt/slides/slide10.xml><?xml version="1.0" encoding="utf-8"?>
+<p:sld xmlns:a="http://schemas.openxmlformats.org/drawingml/2006/main" xmlns:r="http://schemas.openxmlformats.org/officeDocument/2006/relationships" xmlns:p="http://schemas.openxmlformats.org/presentationml/2006/main">
+  <p:cSld>
+    <p:spTree>
+      <p:nvGrpSpPr>
+        <p:cNvPr id="1" name=""/>
+        <p:cNvGrpSpPr/>
+        <p:nvPr/>
+      </p:nvGrpSpPr>
+      <p:grpSpPr>
+        <a:xfrm>
+          <a:off x="0" y="0"/>
+          <a:ext cx="0" cy="0"/>
+          <a:chOff x="0" y="0"/>
+          <a:chExt cx="0" cy="0"/>
+        </a:xfrm>
+      </p:grpSpPr>
+      <p:sp>
+        <p:nvSpPr>
+          <p:cNvPr id="2" name="タイトル 1"/>
+          <p:cNvSpPr txBox="1">
+            <a:spLocks/>
+          </p:cNvSpPr>
+          <p:nvPr/>
+        </p:nvSpPr>
+        <p:spPr>
+          <a:xfrm>
+            <a:off x="682083" y="689324"/>
+            <a:ext cx="10515600" cy="760336"/>
+          </a:xfrm>
+          <a:prstGeom prst="rect">
+            <a:avLst/>
+          </a:prstGeom>
+        </p:spPr>
+        <p:txBody>
+          <a:bodyPr/>
+          <a:lstStyle>
+            <a:lvl1pPr algn="l" defTabSz="914400" rtl="0" eaLnBrk="1" latinLnBrk="0" hangingPunct="1">
+              <a:lnSpc>
+                <a:spcPct val="90000"/>
+              </a:lnSpc>
+              <a:spcBef>
+                <a:spcPct val="0"/>
+              </a:spcBef>
+              <a:buNone/>
+              <a:defRPr kumimoji="1" sz="4400" kern="1200">
+                <a:solidFill>
+                  <a:schemeClr val="tx1"/>
+                </a:solidFill>
+                <a:latin typeface="+mj-lt"/>
+                <a:ea typeface="+mj-ea"/>
+                <a:cs typeface="+mj-cs"/>
+              </a:defRPr>
+            </a:lvl1pPr>
+          </a:lstStyle>
+          <a:p>
+            <a:r>
+              <a:rPr lang="ja-JP" altLang="en-US" b="1" dirty="0" smtClean="0"/>
+              <a:t>今日のメニュー</a:t>
+            </a:r>
+          </a:p>
+        </p:txBody>
+      </p:sp>
+      <p:sp>
+        <p:nvSpPr>
+          <p:cNvPr id="3" name="テキスト ボックス 2"/>
+          <p:cNvSpPr txBox="1"/>
+          <p:nvPr/>
+        </p:nvSpPr>
+        <p:spPr>
+          <a:xfrm>
+            <a:off x="972016" y="1761894"/>
+            <a:ext cx="7742825" cy="3231654"/>
+          </a:xfrm>
+          <a:prstGeom prst="rect">
+            <a:avLst/>
+          </a:prstGeom>
+          <a:noFill/>
+        </p:spPr>
+        <p:txBody>
+          <a:bodyPr wrap="none" rtlCol="0">
+            <a:spAutoFit/>
+          </a:bodyPr>
+          <a:lstStyle/>
+          <a:p>
+            <a:r>
+              <a:rPr kumimoji="1" lang="ja-JP" altLang="en-US" sz="4800" dirty="0" smtClean="0"/>
+              <a:t>初心者セッション　２題</a:t>
+            </a:r>
+            <a:endParaRPr lang="en-US" altLang="ja-JP" sz="4800" dirty="0" smtClean="0"/>
+          </a:p>
+          <a:p>
+            <a:pPr>
+              <a:spcBef>
+                <a:spcPts val="4200"/>
+              </a:spcBef>
+            </a:pPr>
+            <a:r>
+              <a:rPr kumimoji="1" lang="ja-JP" altLang="en-US" sz="4800" dirty="0" smtClean="0"/>
+              <a:t>　</a:t>
+            </a:r>
+            <a:r>
+              <a:rPr kumimoji="1" lang="en-US" altLang="ja-JP" sz="4800" dirty="0" smtClean="0"/>
+              <a:t> </a:t>
+            </a:r>
+            <a:r>
+              <a:rPr kumimoji="1" lang="ja-JP" altLang="en-US" sz="4800" dirty="0" smtClean="0"/>
+              <a:t>　</a:t>
+            </a:r>
+            <a:r>
+              <a:rPr kumimoji="1" lang="en-US" altLang="ja-JP" sz="4800" dirty="0" smtClean="0"/>
+              <a:t> </a:t>
+            </a:r>
+            <a:r>
+              <a:rPr lang="en-US" altLang="ja-JP" sz="4800" dirty="0" smtClean="0"/>
+              <a:t>R</a:t>
+            </a:r>
+            <a:r>
+              <a:rPr lang="ja-JP" altLang="en-US" sz="4800" dirty="0" smtClean="0"/>
+              <a:t>基礎</a:t>
+            </a:r>
+            <a:r>
+              <a:rPr lang="ja-JP" altLang="en-US" sz="4800" dirty="0"/>
+              <a:t>データ読み込み</a:t>
+            </a:r>
+            <a:endParaRPr lang="en-US" altLang="ja-JP" sz="4800" dirty="0"/>
+          </a:p>
+          <a:p>
+            <a:pPr>
+              <a:spcBef>
+                <a:spcPts val="3000"/>
+              </a:spcBef>
+            </a:pPr>
+            <a:r>
+              <a:rPr lang="en-US" altLang="ja-JP" sz="4800" dirty="0" smtClean="0"/>
+              <a:t>  </a:t>
+            </a:r>
+            <a:r>
+              <a:rPr lang="ja-JP" altLang="en-US" sz="4800" dirty="0"/>
+              <a:t>　</a:t>
+            </a:r>
+            <a:r>
+              <a:rPr lang="en-US" altLang="ja-JP" sz="4800" dirty="0" smtClean="0"/>
+              <a:t>    Data 〜handling</a:t>
+            </a:r>
+            <a:endParaRPr kumimoji="1" lang="ja-JP" altLang="en-US" sz="4800" dirty="0"/>
+          </a:p>
+        </p:txBody>
+      </p:sp>
+      <p:pic>
+        <p:nvPicPr>
+          <p:cNvPr id="5" name="図 4"/>
+          <p:cNvPicPr>
+            <a:picLocks noChangeAspect="1"/>
+          </p:cNvPicPr>
+          <p:nvPr/>
+        </p:nvPicPr>
+        <p:blipFill>
+          <a:blip r:embed="rId2"/>
+          <a:stretch>
+            <a:fillRect/>
+          </a:stretch>
+        </p:blipFill>
+        <p:spPr>
+          <a:xfrm>
+            <a:off x="972017" y="2725422"/>
+            <a:ext cx="1191323" cy="1191324"/>
+          </a:xfrm>
+          <a:prstGeom prst="rect">
+            <a:avLst/>
+          </a:prstGeom>
+        </p:spPr>
+      </p:pic>
+      <p:pic>
+        <p:nvPicPr>
+          <p:cNvPr id="6" name="図 5"/>
+          <p:cNvPicPr>
+            <a:picLocks noChangeAspect="1"/>
+          </p:cNvPicPr>
+          <p:nvPr/>
+        </p:nvPicPr>
+        <p:blipFill>
+          <a:blip r:embed="rId3"/>
+          <a:stretch>
+            <a:fillRect/>
+          </a:stretch>
+        </p:blipFill>
+        <p:spPr>
+          <a:xfrm>
+            <a:off x="972016" y="4039288"/>
+            <a:ext cx="1191323" cy="1191322"/>
+          </a:xfrm>
+          <a:prstGeom prst="rect">
+            <a:avLst/>
+          </a:prstGeom>
+        </p:spPr>
+      </p:pic>
+    </p:spTree>
+    <p:extLst>
+      <p:ext uri="{BB962C8B-B14F-4D97-AF65-F5344CB8AC3E}">
+        <p14:creationId xmlns:p14="http://schemas.microsoft.com/office/powerpoint/2010/main" val="900590431"/>
+      </p:ext>
+    </p:extLst>
+  </p:cSld>
+  <p:clrMapOvr>
+    <a:masterClrMapping/>
+  </p:clrMapOvr>
+</p:sld>
+</file>
+
+<file path=ppt/slides/slide11.xml><?xml version="1.0" encoding="utf-8"?>
+<p:sld xmlns:a="http://schemas.openxmlformats.org/drawingml/2006/main" xmlns:r="http://schemas.openxmlformats.org/officeDocument/2006/relationships" xmlns:p="http://schemas.openxmlformats.org/presentationml/2006/main">
+  <p:cSld>
+    <p:spTree>
+      <p:nvGrpSpPr>
+        <p:cNvPr id="1" name=""/>
+        <p:cNvGrpSpPr/>
+        <p:nvPr/>
+      </p:nvGrpSpPr>
+      <p:grpSpPr>
+        <a:xfrm>
+          <a:off x="0" y="0"/>
+          <a:ext cx="0" cy="0"/>
+          <a:chOff x="0" y="0"/>
+          <a:chExt cx="0" cy="0"/>
+        </a:xfrm>
+      </p:grpSpPr>
+      <p:sp>
+        <p:nvSpPr>
+          <p:cNvPr id="2" name="タイトル 1"/>
+          <p:cNvSpPr txBox="1">
+            <a:spLocks/>
+          </p:cNvSpPr>
+          <p:nvPr/>
+        </p:nvSpPr>
+        <p:spPr>
+          <a:xfrm>
+            <a:off x="682083" y="689324"/>
+            <a:ext cx="10515600" cy="760336"/>
+          </a:xfrm>
+          <a:prstGeom prst="rect">
+            <a:avLst/>
+          </a:prstGeom>
+        </p:spPr>
+        <p:txBody>
+          <a:bodyPr/>
+          <a:lstStyle>
+            <a:lvl1pPr algn="l" defTabSz="914400" rtl="0" eaLnBrk="1" latinLnBrk="0" hangingPunct="1">
+              <a:lnSpc>
+                <a:spcPct val="90000"/>
+              </a:lnSpc>
+              <a:spcBef>
+                <a:spcPct val="0"/>
+              </a:spcBef>
+              <a:buNone/>
+              <a:defRPr kumimoji="1" sz="4400" kern="1200">
+                <a:solidFill>
+                  <a:schemeClr val="tx1"/>
+                </a:solidFill>
+                <a:latin typeface="+mj-lt"/>
+                <a:ea typeface="+mj-ea"/>
+                <a:cs typeface="+mj-cs"/>
+              </a:defRPr>
+            </a:lvl1pPr>
+          </a:lstStyle>
+          <a:p>
+            <a:r>
+              <a:rPr lang="ja-JP" altLang="en-US" b="1" dirty="0" smtClean="0"/>
+              <a:t>今日のメニュー</a:t>
+            </a:r>
+          </a:p>
+        </p:txBody>
+      </p:sp>
+      <p:sp>
+        <p:nvSpPr>
+          <p:cNvPr id="3" name="テキスト ボックス 2"/>
+          <p:cNvSpPr txBox="1"/>
+          <p:nvPr/>
+        </p:nvSpPr>
+        <p:spPr>
+          <a:xfrm>
+            <a:off x="682083" y="1672684"/>
+            <a:ext cx="8499443" cy="4662815"/>
+          </a:xfrm>
+          <a:prstGeom prst="rect">
+            <a:avLst/>
+          </a:prstGeom>
+          <a:noFill/>
+        </p:spPr>
+        <p:txBody>
+          <a:bodyPr wrap="none" rtlCol="0">
+            <a:spAutoFit/>
+          </a:bodyPr>
+          <a:lstStyle/>
+          <a:p>
+            <a:r>
+              <a:rPr kumimoji="1" lang="ja-JP" altLang="en-US" sz="4800" dirty="0" smtClean="0"/>
+              <a:t>応用セッション　２題</a:t>
+            </a:r>
+            <a:endParaRPr lang="en-US" altLang="ja-JP" sz="4800" dirty="0" smtClean="0"/>
+          </a:p>
+          <a:p>
+            <a:pPr>
+              <a:spcBef>
+                <a:spcPts val="4200"/>
+              </a:spcBef>
+            </a:pPr>
+            <a:r>
+              <a:rPr kumimoji="1" lang="ja-JP" altLang="en-US" sz="4800" dirty="0" smtClean="0"/>
+              <a:t>　</a:t>
+            </a:r>
+            <a:r>
+              <a:rPr kumimoji="1" lang="en-US" altLang="ja-JP" sz="4800" dirty="0" smtClean="0"/>
+              <a:t> </a:t>
+            </a:r>
+            <a:r>
+              <a:rPr kumimoji="1" lang="ja-JP" altLang="en-US" sz="4800" dirty="0" smtClean="0"/>
+              <a:t>　</a:t>
+            </a:r>
+            <a:r>
+              <a:rPr lang="ja-JP" altLang="en-US" sz="4000" dirty="0"/>
+              <a:t>計量経済学と機械学習の</a:t>
+            </a:r>
+            <a:r>
+              <a:rPr lang="ja-JP" altLang="en-US" sz="4000" dirty="0" smtClean="0"/>
+              <a:t>関係</a:t>
+            </a:r>
+            <a:endParaRPr lang="en-US" altLang="ja-JP" sz="4000" dirty="0" smtClean="0"/>
+          </a:p>
+          <a:p>
+            <a:pPr>
+              <a:spcBef>
+                <a:spcPts val="4200"/>
+              </a:spcBef>
+            </a:pPr>
+            <a:r>
+              <a:rPr lang="ja-JP" altLang="en-US" sz="4800" dirty="0"/>
+              <a:t>　</a:t>
+            </a:r>
+            <a:r>
+              <a:rPr lang="en-US" altLang="ja-JP" sz="4800" dirty="0" smtClean="0"/>
+              <a:t>     R interface to Python</a:t>
+            </a:r>
+          </a:p>
+          <a:p>
+            <a:pPr>
+              <a:spcBef>
+                <a:spcPts val="4200"/>
+              </a:spcBef>
+            </a:pPr>
+            <a:r>
+              <a:rPr lang="en-US" altLang="ja-JP" sz="4800" dirty="0" smtClean="0"/>
+              <a:t>         </a:t>
+            </a:r>
+            <a:r>
+              <a:rPr lang="ja-JP" altLang="en-US" sz="4000" dirty="0" smtClean="0">
+                <a:solidFill>
+                  <a:schemeClr val="bg1">
+                    <a:lumMod val="65000"/>
+                  </a:schemeClr>
+                </a:solidFill>
+              </a:rPr>
+              <a:t>二項</a:t>
+            </a:r>
+            <a:r>
+              <a:rPr lang="ja-JP" altLang="en-US" sz="4000" dirty="0">
+                <a:solidFill>
+                  <a:schemeClr val="bg1">
+                    <a:lumMod val="65000"/>
+                  </a:schemeClr>
+                </a:solidFill>
+              </a:rPr>
+              <a:t>分布が生まれるまで</a:t>
+            </a:r>
+            <a:endParaRPr kumimoji="1" lang="ja-JP" altLang="en-US" sz="4000" dirty="0">
+              <a:solidFill>
+                <a:schemeClr val="bg1">
+                  <a:lumMod val="65000"/>
+                </a:schemeClr>
+              </a:solidFill>
+            </a:endParaRPr>
+          </a:p>
+        </p:txBody>
+      </p:sp>
+      <p:grpSp>
+        <p:nvGrpSpPr>
+          <p:cNvPr id="8" name="図形グループ 7"/>
+          <p:cNvGrpSpPr/>
+          <p:nvPr/>
+        </p:nvGrpSpPr>
+        <p:grpSpPr>
+          <a:xfrm>
+            <a:off x="951806" y="2765954"/>
+            <a:ext cx="1005928" cy="2229790"/>
+            <a:chOff x="0" y="2832861"/>
+            <a:chExt cx="2314575" cy="5130600"/>
+          </a:xfrm>
+        </p:grpSpPr>
+        <p:pic>
+          <p:nvPicPr>
+            <p:cNvPr id="7" name="図 6"/>
+            <p:cNvPicPr>
+              <a:picLocks noChangeAspect="1"/>
+            </p:cNvPicPr>
+            <p:nvPr/>
+          </p:nvPicPr>
+          <p:blipFill>
+            <a:blip r:embed="rId2"/>
+            <a:stretch>
+              <a:fillRect/>
+            </a:stretch>
+          </p:blipFill>
+          <p:spPr>
+            <a:xfrm>
+              <a:off x="0" y="5648889"/>
+              <a:ext cx="2314575" cy="2314572"/>
+            </a:xfrm>
+            <a:prstGeom prst="rect">
+              <a:avLst/>
+            </a:prstGeom>
+          </p:spPr>
+        </p:pic>
+        <p:pic>
+          <p:nvPicPr>
+            <p:cNvPr id="2050" name="Picture 2" descr="ttps://pbs.twimg.com/profile_images/721212406387441665/iYFVpJFf_400x400.jpg"/>
+            <p:cNvPicPr>
+              <a:picLocks noChangeAspect="1" noChangeArrowheads="1"/>
+            </p:cNvPicPr>
+            <p:nvPr/>
+          </p:nvPicPr>
+          <p:blipFill>
+            <a:blip r:embed="rId3">
+              <a:extLst>
+                <a:ext uri="{28A0092B-C50C-407E-A947-70E740481C1C}">
+                  <a14:useLocalDpi xmlns:a14="http://schemas.microsoft.com/office/drawing/2010/main" val="0"/>
+                </a:ext>
+              </a:extLst>
+            </a:blip>
+            <a:srcRect/>
+            <a:stretch>
+              <a:fillRect/>
+            </a:stretch>
+          </p:blipFill>
+          <p:spPr bwMode="auto">
+            <a:xfrm>
+              <a:off x="0" y="2832861"/>
+              <a:ext cx="2314575" cy="2314575"/>
+            </a:xfrm>
+            <a:prstGeom prst="rect">
+              <a:avLst/>
+            </a:prstGeom>
+            <a:noFill/>
+            <a:extLst>
+              <a:ext uri="{909E8E84-426E-40DD-AFC4-6F175D3DCCD1}">
+                <a14:hiddenFill xmlns:a14="http://schemas.microsoft.com/office/drawing/2010/main">
+                  <a:solidFill>
+                    <a:srgbClr val="FFFFFF"/>
+                  </a:solidFill>
+                </a14:hiddenFill>
+              </a:ext>
+            </a:extLst>
+          </p:spPr>
+        </p:pic>
+      </p:grpSp>
+      <p:sp>
+        <p:nvSpPr>
+          <p:cNvPr id="13" name="テキスト ボックス 12"/>
+          <p:cNvSpPr txBox="1"/>
+          <p:nvPr/>
+        </p:nvSpPr>
+        <p:spPr>
+          <a:xfrm>
+            <a:off x="-4958340" y="11387031"/>
+            <a:ext cx="48773" cy="97512"/>
+          </a:xfrm>
+          <a:prstGeom prst="rect">
+            <a:avLst/>
+          </a:prstGeom>
+          <a:noFill/>
+        </p:spPr>
+        <p:txBody>
+          <a:bodyPr wrap="square" rtlCol="0">
+            <a:spAutoFit/>
+          </a:bodyPr>
+          <a:lstStyle/>
+          <a:p>
+            <a:endParaRPr kumimoji="1" lang="ja-JP" altLang="en-US"/>
+          </a:p>
+        </p:txBody>
+      </p:sp>
+      <p:pic>
+        <p:nvPicPr>
+          <p:cNvPr id="14" name="Picture 6" descr="ttps://pbs.twimg.com/profile_images/1049991126000660482/IjnuDedI_400x400.jpg"/>
+          <p:cNvPicPr>
+            <a:picLocks noChangeAspect="1" noChangeArrowheads="1"/>
+          </p:cNvPicPr>
+          <p:nvPr/>
+        </p:nvPicPr>
+        <p:blipFill>
+          <a:blip r:embed="rId4">
+            <a:alphaModFix amt="25000"/>
+            <a:extLst>
+              <a:ext uri="{28A0092B-C50C-407E-A947-70E740481C1C}">
+                <a14:useLocalDpi xmlns:a14="http://schemas.microsoft.com/office/drawing/2010/main" val="0"/>
+              </a:ext>
+            </a:extLst>
+          </a:blip>
+          <a:srcRect/>
+          <a:stretch>
+            <a:fillRect/>
+          </a:stretch>
+        </p:blipFill>
+        <p:spPr bwMode="auto">
+          <a:xfrm>
+            <a:off x="951806" y="5276161"/>
+            <a:ext cx="1005928" cy="1005928"/>
+          </a:xfrm>
+          <a:prstGeom prst="rect">
+            <a:avLst/>
+          </a:prstGeom>
+          <a:noFill/>
+          <a:extLst>
+            <a:ext uri="{909E8E84-426E-40DD-AFC4-6F175D3DCCD1}">
+              <a14:hiddenFill xmlns:a14="http://schemas.microsoft.com/office/drawing/2010/main">
+                <a:solidFill>
+                  <a:srgbClr val="FFFFFF"/>
+                </a:solidFill>
+              </a14:hiddenFill>
+            </a:ext>
+          </a:extLst>
+        </p:spPr>
+      </p:pic>
+    </p:spTree>
+    <p:extLst>
+      <p:ext uri="{BB962C8B-B14F-4D97-AF65-F5344CB8AC3E}">
+        <p14:creationId xmlns:p14="http://schemas.microsoft.com/office/powerpoint/2010/main" val="1589979335"/>
+      </p:ext>
+    </p:extLst>
+  </p:cSld>
+  <p:clrMapOvr>
+    <a:masterClrMapping/>
+  </p:clrMapOvr>
+</p:sld>
+</file>
+
+<file path=ppt/slides/slide12.xml><?xml version="1.0" encoding="utf-8"?>
+<p:sld xmlns:a="http://schemas.openxmlformats.org/drawingml/2006/main" xmlns:r="http://schemas.openxmlformats.org/officeDocument/2006/relationships" xmlns:p="http://schemas.openxmlformats.org/presentationml/2006/main">
+  <p:cSld>
+    <p:spTree>
+      <p:nvGrpSpPr>
+        <p:cNvPr id="1" name=""/>
+        <p:cNvGrpSpPr/>
+        <p:nvPr/>
+      </p:nvGrpSpPr>
+      <p:grpSpPr>
+        <a:xfrm>
+          <a:off x="0" y="0"/>
+          <a:ext cx="0" cy="0"/>
+          <a:chOff x="0" y="0"/>
+          <a:chExt cx="0" cy="0"/>
+        </a:xfrm>
+      </p:grpSpPr>
+      <p:sp>
+        <p:nvSpPr>
+          <p:cNvPr id="2" name="正方形/長方形 1"/>
+          <p:cNvSpPr/>
+          <p:nvPr/>
+        </p:nvSpPr>
+        <p:spPr>
+          <a:xfrm>
+            <a:off x="512956" y="2948597"/>
+            <a:ext cx="8876371" cy="3170099"/>
+          </a:xfrm>
+          <a:prstGeom prst="rect">
+            <a:avLst/>
+          </a:prstGeom>
+        </p:spPr>
+        <p:txBody>
+          <a:bodyPr wrap="square">
+            <a:spAutoFit/>
+          </a:bodyPr>
+          <a:lstStyle/>
+          <a:p>
+            <a:r>
+              <a:rPr lang="ja-JP" altLang="en-US" sz="3200" dirty="0"/>
+              <a:t>@wkwk_soprano </a:t>
+            </a:r>
+            <a:r>
+              <a:rPr lang="en-US" altLang="ja-JP" sz="3200" dirty="0" smtClean="0"/>
+              <a:t> </a:t>
+            </a:r>
+            <a:r>
+              <a:rPr lang="ja-JP" altLang="en-US" sz="3200" dirty="0" smtClean="0"/>
+              <a:t>R</a:t>
+            </a:r>
+            <a:r>
+              <a:rPr lang="ja-JP" altLang="en-US" sz="3200" dirty="0"/>
+              <a:t>でグラフつくるの</a:t>
+            </a:r>
+            <a:r>
+              <a:rPr lang="ja-JP" altLang="en-US" sz="3200" dirty="0" smtClean="0"/>
+              <a:t>！</a:t>
+            </a:r>
+            <a:endParaRPr lang="en-US" altLang="ja-JP" sz="3200" dirty="0" smtClean="0"/>
+          </a:p>
+          <a:p>
+            <a:pPr>
+              <a:spcBef>
+                <a:spcPts val="1200"/>
+              </a:spcBef>
+            </a:pPr>
+            <a:r>
+              <a:rPr lang="ja-JP" altLang="en-US" sz="3200" dirty="0" smtClean="0"/>
+              <a:t>@</a:t>
+            </a:r>
+            <a:r>
+              <a:rPr lang="ja-JP" altLang="en-US" sz="3200" dirty="0"/>
+              <a:t>airspace_nobo </a:t>
+            </a:r>
+            <a:r>
+              <a:rPr lang="en-US" altLang="ja-JP" sz="3200" dirty="0" smtClean="0"/>
+              <a:t> </a:t>
+            </a:r>
+            <a:r>
+              <a:rPr lang="ja-JP" altLang="en-US" sz="3200" dirty="0" smtClean="0"/>
+              <a:t>Python</a:t>
+            </a:r>
+            <a:r>
+              <a:rPr lang="ja-JP" altLang="en-US" sz="3200" dirty="0"/>
+              <a:t>からもRを</a:t>
+            </a:r>
+            <a:r>
+              <a:rPr lang="ja-JP" altLang="en-US" sz="3200" dirty="0" smtClean="0"/>
+              <a:t>使いたい</a:t>
+            </a:r>
+            <a:endParaRPr lang="en-US" altLang="ja-JP" sz="3200" dirty="0" smtClean="0"/>
+          </a:p>
+          <a:p>
+            <a:pPr>
+              <a:spcBef>
+                <a:spcPts val="1200"/>
+              </a:spcBef>
+            </a:pPr>
+            <a:r>
+              <a:rPr lang="ja-JP" altLang="en-US" sz="3200" dirty="0" smtClean="0"/>
+              <a:t>@</a:t>
+            </a:r>
+            <a:r>
+              <a:rPr lang="ja-JP" altLang="en-US" sz="3200" dirty="0"/>
+              <a:t>gepuro 	</a:t>
+            </a:r>
+            <a:r>
+              <a:rPr lang="en-US" altLang="ja-JP" sz="3200" dirty="0" smtClean="0"/>
+              <a:t>             </a:t>
+            </a:r>
+            <a:r>
+              <a:rPr lang="ja-JP" altLang="en-US" sz="3200" dirty="0" smtClean="0"/>
+              <a:t>未定 </a:t>
+            </a:r>
+            <a:endParaRPr lang="en-US" altLang="ja-JP" sz="3200" dirty="0" smtClean="0"/>
+          </a:p>
+          <a:p>
+            <a:pPr>
+              <a:spcBef>
+                <a:spcPts val="1200"/>
+              </a:spcBef>
+            </a:pPr>
+            <a:r>
+              <a:rPr lang="ja-JP" altLang="en-US" sz="3200" dirty="0" smtClean="0"/>
+              <a:t>kodachan </a:t>
+            </a:r>
+            <a:r>
+              <a:rPr lang="ja-JP" altLang="en-US" sz="3200" dirty="0"/>
+              <a:t>	</a:t>
+            </a:r>
+            <a:r>
+              <a:rPr lang="en-US" altLang="ja-JP" sz="3200" dirty="0" smtClean="0"/>
+              <a:t>     </a:t>
+            </a:r>
+            <a:r>
+              <a:rPr lang="ja-JP" altLang="en-US" sz="3200" dirty="0" smtClean="0"/>
+              <a:t>R</a:t>
+            </a:r>
+            <a:r>
+              <a:rPr lang="ja-JP" altLang="en-US" sz="3200" dirty="0"/>
+              <a:t>とボクと、時々、</a:t>
+            </a:r>
+            <a:r>
+              <a:rPr lang="ja-JP" altLang="en-US" sz="3200" dirty="0" smtClean="0"/>
+              <a:t>プロキシ</a:t>
+            </a:r>
+            <a:endParaRPr lang="en-US" altLang="ja-JP" sz="3200" dirty="0" smtClean="0"/>
+          </a:p>
+          <a:p>
+            <a:pPr>
+              <a:spcBef>
+                <a:spcPts val="1200"/>
+              </a:spcBef>
+            </a:pPr>
+            <a:r>
+              <a:rPr lang="ja-JP" altLang="en-US" sz="3200" dirty="0" smtClean="0"/>
+              <a:t>k871 </a:t>
+            </a:r>
+            <a:r>
+              <a:rPr lang="ja-JP" altLang="en-US" sz="3200" dirty="0"/>
+              <a:t>	</a:t>
+            </a:r>
+            <a:r>
+              <a:rPr lang="en-US" altLang="ja-JP" sz="3200" dirty="0" smtClean="0"/>
+              <a:t>             </a:t>
+            </a:r>
+            <a:r>
+              <a:rPr lang="ja-JP" altLang="en-US" sz="3200" dirty="0" smtClean="0"/>
+              <a:t>R </a:t>
+            </a:r>
+            <a:r>
+              <a:rPr lang="ja-JP" altLang="en-US" sz="3200" dirty="0"/>
+              <a:t>in a JTM</a:t>
+            </a:r>
+          </a:p>
+        </p:txBody>
+      </p:sp>
+      <p:sp>
+        <p:nvSpPr>
+          <p:cNvPr id="3" name="タイトル 1"/>
+          <p:cNvSpPr txBox="1">
+            <a:spLocks/>
+          </p:cNvSpPr>
+          <p:nvPr/>
+        </p:nvSpPr>
+        <p:spPr>
+          <a:xfrm>
+            <a:off x="682083" y="689324"/>
+            <a:ext cx="10515600" cy="760336"/>
+          </a:xfrm>
+          <a:prstGeom prst="rect">
+            <a:avLst/>
+          </a:prstGeom>
+        </p:spPr>
+        <p:txBody>
+          <a:bodyPr/>
+          <a:lstStyle>
+            <a:lvl1pPr algn="l" defTabSz="914400" rtl="0" eaLnBrk="1" latinLnBrk="0" hangingPunct="1">
+              <a:lnSpc>
+                <a:spcPct val="90000"/>
+              </a:lnSpc>
+              <a:spcBef>
+                <a:spcPct val="0"/>
+              </a:spcBef>
+              <a:buNone/>
+              <a:defRPr kumimoji="1" sz="4400" kern="1200">
+                <a:solidFill>
+                  <a:schemeClr val="tx1"/>
+                </a:solidFill>
+                <a:latin typeface="+mj-lt"/>
+                <a:ea typeface="+mj-ea"/>
+                <a:cs typeface="+mj-cs"/>
+              </a:defRPr>
+            </a:lvl1pPr>
+          </a:lstStyle>
+          <a:p>
+            <a:r>
+              <a:rPr lang="ja-JP" altLang="en-US" b="1" dirty="0" smtClean="0"/>
+              <a:t>今日のメニュー</a:t>
+            </a:r>
+          </a:p>
+        </p:txBody>
+      </p:sp>
+      <p:sp>
+        <p:nvSpPr>
+          <p:cNvPr id="4" name="テキスト ボックス 3"/>
+          <p:cNvSpPr txBox="1"/>
+          <p:nvPr/>
+        </p:nvSpPr>
+        <p:spPr>
+          <a:xfrm>
+            <a:off x="682083" y="1672684"/>
+            <a:ext cx="2433038" cy="830997"/>
+          </a:xfrm>
+          <a:prstGeom prst="rect">
+            <a:avLst/>
+          </a:prstGeom>
+          <a:noFill/>
+        </p:spPr>
+        <p:txBody>
+          <a:bodyPr wrap="none" rtlCol="0">
+            <a:spAutoFit/>
+          </a:bodyPr>
+          <a:lstStyle/>
+          <a:p>
+            <a:r>
+              <a:rPr kumimoji="1" lang="en-US" altLang="ja-JP" sz="4800" dirty="0" smtClean="0"/>
+              <a:t>LT</a:t>
+            </a:r>
+            <a:r>
+              <a:rPr kumimoji="1" lang="ja-JP" altLang="en-US" sz="4800" dirty="0" smtClean="0"/>
+              <a:t>　</a:t>
+            </a:r>
+            <a:r>
+              <a:rPr kumimoji="1" lang="en-US" altLang="ja-JP" sz="4800" dirty="0" smtClean="0"/>
+              <a:t>5</a:t>
+            </a:r>
+            <a:r>
+              <a:rPr kumimoji="1" lang="ja-JP" altLang="en-US" sz="4800" dirty="0" smtClean="0"/>
+              <a:t>題</a:t>
+            </a:r>
+            <a:endParaRPr kumimoji="1" lang="ja-JP" altLang="en-US" sz="4000" dirty="0">
+              <a:solidFill>
+                <a:schemeClr val="bg1">
+                  <a:lumMod val="65000"/>
+                </a:schemeClr>
+              </a:solidFill>
+            </a:endParaRPr>
+          </a:p>
+        </p:txBody>
+      </p:sp>
+    </p:spTree>
+    <p:extLst>
+      <p:ext uri="{BB962C8B-B14F-4D97-AF65-F5344CB8AC3E}">
+        <p14:creationId xmlns:p14="http://schemas.microsoft.com/office/powerpoint/2010/main" val="846101213"/>
+      </p:ext>
+    </p:extLst>
+  </p:cSld>
+  <p:clrMapOvr>
+    <a:masterClrMapping/>
+  </p:clrMapOvr>
+</p:sld>
+</file>
+
+<file path=ppt/slides/slide13.xml><?xml version="1.0" encoding="utf-8"?>
+<p:sld xmlns:a="http://schemas.openxmlformats.org/drawingml/2006/main" xmlns:r="http://schemas.openxmlformats.org/officeDocument/2006/relationships" xmlns:p="http://schemas.openxmlformats.org/presentationml/2006/main">
+  <p:cSld>
+    <p:spTree>
+      <p:nvGrpSpPr>
+        <p:cNvPr id="1" name=""/>
+        <p:cNvGrpSpPr/>
+        <p:nvPr/>
+      </p:nvGrpSpPr>
+      <p:grpSpPr>
+        <a:xfrm>
+          <a:off x="0" y="0"/>
+          <a:ext cx="0" cy="0"/>
+          <a:chOff x="0" y="0"/>
+          <a:chExt cx="0" cy="0"/>
+        </a:xfrm>
+      </p:grpSpPr>
+      <p:sp>
+        <p:nvSpPr>
+          <p:cNvPr id="2" name="タイトル 1"/>
+          <p:cNvSpPr txBox="1">
+            <a:spLocks/>
+          </p:cNvSpPr>
+          <p:nvPr/>
+        </p:nvSpPr>
+        <p:spPr>
+          <a:xfrm>
+            <a:off x="682083" y="689323"/>
+            <a:ext cx="10515600" cy="1325563"/>
+          </a:xfrm>
+          <a:prstGeom prst="rect">
+            <a:avLst/>
+          </a:prstGeom>
+        </p:spPr>
+        <p:txBody>
+          <a:bodyPr/>
+          <a:lstStyle>
+            <a:lvl1pPr algn="l" defTabSz="914400" rtl="0" eaLnBrk="1" latinLnBrk="0" hangingPunct="1">
+              <a:lnSpc>
+                <a:spcPct val="90000"/>
+              </a:lnSpc>
+              <a:spcBef>
+                <a:spcPct val="0"/>
+              </a:spcBef>
+              <a:buNone/>
+              <a:defRPr kumimoji="1" sz="4400" kern="1200">
+                <a:solidFill>
+                  <a:schemeClr val="tx1"/>
+                </a:solidFill>
+                <a:latin typeface="+mj-lt"/>
+                <a:ea typeface="+mj-ea"/>
+                <a:cs typeface="+mj-cs"/>
+              </a:defRPr>
+            </a:lvl1pPr>
+          </a:lstStyle>
+          <a:p>
+            <a:r>
+              <a:rPr lang="ja-JP" altLang="en-US" b="1" dirty="0" smtClean="0"/>
+              <a:t>もう一度、大事なこと</a:t>
+            </a:r>
+            <a:endParaRPr lang="ja-JP" altLang="en-US" b="1" dirty="0"/>
+          </a:p>
+        </p:txBody>
+      </p:sp>
+      <p:sp>
+        <p:nvSpPr>
+          <p:cNvPr id="4" name="テキスト ボックス 3"/>
+          <p:cNvSpPr txBox="1"/>
+          <p:nvPr/>
+        </p:nvSpPr>
+        <p:spPr>
+          <a:xfrm>
+            <a:off x="1306550" y="1508222"/>
+            <a:ext cx="6750566" cy="3862596"/>
+          </a:xfrm>
+          <a:prstGeom prst="rect">
+            <a:avLst/>
+          </a:prstGeom>
+          <a:noFill/>
+        </p:spPr>
+        <p:txBody>
+          <a:bodyPr wrap="none" rtlCol="0">
+            <a:spAutoFit/>
+          </a:bodyPr>
+          <a:lstStyle/>
+          <a:p>
+            <a:r>
+              <a:rPr kumimoji="1" lang="ja-JP" altLang="en-US" sz="4400" dirty="0" smtClean="0"/>
+              <a:t>この場にいる</a:t>
+            </a:r>
+            <a:r>
+              <a:rPr kumimoji="1" lang="ja-JP" altLang="en-US" sz="8000" dirty="0" smtClean="0"/>
+              <a:t>全員</a:t>
+            </a:r>
+            <a:r>
+              <a:rPr kumimoji="1" lang="ja-JP" altLang="en-US" sz="4400" dirty="0" smtClean="0"/>
+              <a:t>が、</a:t>
+            </a:r>
+            <a:endParaRPr kumimoji="1" lang="en-US" altLang="ja-JP" sz="4400" dirty="0" smtClean="0"/>
+          </a:p>
+          <a:p>
+            <a:pPr>
+              <a:spcBef>
+                <a:spcPts val="1200"/>
+              </a:spcBef>
+            </a:pPr>
+            <a:r>
+              <a:rPr kumimoji="1" lang="en-US" altLang="ja-JP" sz="8800" dirty="0" smtClean="0"/>
+              <a:t>Enjoy!</a:t>
+            </a:r>
+            <a:r>
+              <a:rPr kumimoji="1" lang="ja-JP" altLang="en-US" sz="4400" dirty="0" smtClean="0"/>
+              <a:t>できる</a:t>
+            </a:r>
+            <a:endParaRPr kumimoji="1" lang="en-US" altLang="ja-JP" sz="4400" dirty="0" smtClean="0"/>
+          </a:p>
+          <a:p>
+            <a:pPr>
+              <a:spcBef>
+                <a:spcPts val="3000"/>
+              </a:spcBef>
+            </a:pPr>
+            <a:r>
+              <a:rPr kumimoji="1" lang="ja-JP" altLang="en-US" sz="4400" dirty="0" smtClean="0"/>
+              <a:t>空間にしましょう。</a:t>
+            </a:r>
+            <a:endParaRPr kumimoji="1" lang="ja-JP" altLang="en-US" sz="4400" dirty="0"/>
+          </a:p>
+        </p:txBody>
+      </p:sp>
+      <p:sp>
+        <p:nvSpPr>
+          <p:cNvPr id="3" name="テキスト ボックス 2"/>
+          <p:cNvSpPr txBox="1"/>
+          <p:nvPr/>
+        </p:nvSpPr>
+        <p:spPr>
+          <a:xfrm>
+            <a:off x="6025791" y="5866551"/>
+            <a:ext cx="2031325" cy="646331"/>
+          </a:xfrm>
+          <a:prstGeom prst="rect">
+            <a:avLst/>
+          </a:prstGeom>
+          <a:noFill/>
+        </p:spPr>
+        <p:txBody>
+          <a:bodyPr wrap="none" rtlCol="0">
+            <a:spAutoFit/>
+          </a:bodyPr>
+          <a:lstStyle/>
+          <a:p>
+            <a:r>
+              <a:rPr kumimoji="1" lang="ja-JP" altLang="en-US" sz="3600" smtClean="0"/>
+              <a:t>ヨロシク</a:t>
+            </a:r>
+            <a:endParaRPr kumimoji="1" lang="ja-JP" altLang="en-US" sz="3600" dirty="0"/>
+          </a:p>
+        </p:txBody>
+      </p:sp>
+    </p:spTree>
+    <p:extLst>
+      <p:ext uri="{BB962C8B-B14F-4D97-AF65-F5344CB8AC3E}">
+        <p14:creationId xmlns:p14="http://schemas.microsoft.com/office/powerpoint/2010/main" val="2108723973"/>
       </p:ext>
     </p:extLst>
   </p:cSld>
@@ -4042,876 +5050,6 @@
 </file>
 
 <file path=ppt/slides/slide3.xml><?xml version="1.0" encoding="utf-8"?>
-<p:sld xmlns:a="http://schemas.openxmlformats.org/drawingml/2006/main" xmlns:r="http://schemas.openxmlformats.org/officeDocument/2006/relationships" xmlns:p="http://schemas.openxmlformats.org/presentationml/2006/main">
-  <p:cSld>
-    <p:spTree>
-      <p:nvGrpSpPr>
-        <p:cNvPr id="1" name=""/>
-        <p:cNvGrpSpPr/>
-        <p:nvPr/>
-      </p:nvGrpSpPr>
-      <p:grpSpPr>
-        <a:xfrm>
-          <a:off x="0" y="0"/>
-          <a:ext cx="0" cy="0"/>
-          <a:chOff x="0" y="0"/>
-          <a:chExt cx="0" cy="0"/>
-        </a:xfrm>
-      </p:grpSpPr>
-      <p:sp>
-        <p:nvSpPr>
-          <p:cNvPr id="2" name="テキスト ボックス 1"/>
-          <p:cNvSpPr txBox="1"/>
-          <p:nvPr/>
-        </p:nvSpPr>
-        <p:spPr>
-          <a:xfrm>
-            <a:off x="201379" y="122251"/>
-            <a:ext cx="1415772" cy="830997"/>
-          </a:xfrm>
-          <a:prstGeom prst="rect">
-            <a:avLst/>
-          </a:prstGeom>
-          <a:noFill/>
-        </p:spPr>
-        <p:txBody>
-          <a:bodyPr wrap="none" rtlCol="0">
-            <a:spAutoFit/>
-          </a:bodyPr>
-          <a:lstStyle/>
-          <a:p>
-            <a:r>
-              <a:rPr lang="ja-JP" altLang="en-US" sz="4800" dirty="0" smtClean="0"/>
-              <a:t>構成</a:t>
-            </a:r>
-            <a:endParaRPr kumimoji="1" lang="en-US" altLang="ja-JP" sz="4400" dirty="0" smtClean="0"/>
-          </a:p>
-        </p:txBody>
-      </p:sp>
-      <p:sp>
-        <p:nvSpPr>
-          <p:cNvPr id="3" name="正方形/長方形 2"/>
-          <p:cNvSpPr/>
-          <p:nvPr/>
-        </p:nvSpPr>
-        <p:spPr>
-          <a:xfrm>
-            <a:off x="112170" y="1245763"/>
-            <a:ext cx="2229587" cy="1260000"/>
-          </a:xfrm>
-          <a:prstGeom prst="rect">
-            <a:avLst/>
-          </a:prstGeom>
-          <a:solidFill>
-            <a:schemeClr val="accent6">
-              <a:lumMod val="75000"/>
-            </a:schemeClr>
-          </a:solidFill>
-        </p:spPr>
-        <p:style>
-          <a:lnRef idx="3">
-            <a:schemeClr val="lt1"/>
-          </a:lnRef>
-          <a:fillRef idx="1">
-            <a:schemeClr val="accent3"/>
-          </a:fillRef>
-          <a:effectRef idx="1">
-            <a:schemeClr val="accent3"/>
-          </a:effectRef>
-          <a:fontRef idx="minor">
-            <a:schemeClr val="lt1"/>
-          </a:fontRef>
-        </p:style>
-        <p:txBody>
-          <a:bodyPr rtlCol="0" anchor="ctr"/>
-          <a:lstStyle/>
-          <a:p>
-            <a:pPr algn="ctr"/>
-            <a:r>
-              <a:rPr kumimoji="1" lang="ja-JP" altLang="en-US" sz="3200" dirty="0"/>
-              <a:t>初心者</a:t>
-            </a:r>
-            <a:endParaRPr kumimoji="1" lang="en-US" altLang="ja-JP" sz="3200" dirty="0"/>
-          </a:p>
-          <a:p>
-            <a:pPr algn="ctr"/>
-            <a:r>
-              <a:rPr kumimoji="1" lang="ja-JP" altLang="en-US" sz="3200" dirty="0"/>
-              <a:t>セッション</a:t>
-            </a:r>
-          </a:p>
-        </p:txBody>
-      </p:sp>
-      <p:sp>
-        <p:nvSpPr>
-          <p:cNvPr id="4" name="正方形/長方形 3"/>
-          <p:cNvSpPr/>
-          <p:nvPr/>
-        </p:nvSpPr>
-        <p:spPr>
-          <a:xfrm>
-            <a:off x="112170" y="2791432"/>
-            <a:ext cx="2229587" cy="1260000"/>
-          </a:xfrm>
-          <a:prstGeom prst="rect">
-            <a:avLst/>
-          </a:prstGeom>
-          <a:solidFill>
-            <a:schemeClr val="accent6">
-              <a:lumMod val="75000"/>
-            </a:schemeClr>
-          </a:solidFill>
-        </p:spPr>
-        <p:style>
-          <a:lnRef idx="3">
-            <a:schemeClr val="lt1"/>
-          </a:lnRef>
-          <a:fillRef idx="1">
-            <a:schemeClr val="accent3"/>
-          </a:fillRef>
-          <a:effectRef idx="1">
-            <a:schemeClr val="accent3"/>
-          </a:effectRef>
-          <a:fontRef idx="minor">
-            <a:schemeClr val="lt1"/>
-          </a:fontRef>
-        </p:style>
-        <p:txBody>
-          <a:bodyPr rtlCol="0" anchor="ctr"/>
-          <a:lstStyle/>
-          <a:p>
-            <a:pPr algn="ctr"/>
-            <a:r>
-              <a:rPr lang="ja-JP" altLang="en-US" sz="3200" dirty="0"/>
-              <a:t>応用</a:t>
-            </a:r>
-            <a:endParaRPr lang="en-US" altLang="ja-JP" sz="3200" dirty="0"/>
-          </a:p>
-          <a:p>
-            <a:pPr algn="ctr"/>
-            <a:r>
-              <a:rPr kumimoji="1" lang="ja-JP" altLang="en-US" sz="3200" dirty="0"/>
-              <a:t>セッション</a:t>
-            </a:r>
-          </a:p>
-        </p:txBody>
-      </p:sp>
-      <p:sp>
-        <p:nvSpPr>
-          <p:cNvPr id="5" name="正方形/長方形 4"/>
-          <p:cNvSpPr/>
-          <p:nvPr/>
-        </p:nvSpPr>
-        <p:spPr>
-          <a:xfrm>
-            <a:off x="112170" y="4337101"/>
-            <a:ext cx="2229587" cy="1260000"/>
-          </a:xfrm>
-          <a:prstGeom prst="rect">
-            <a:avLst/>
-          </a:prstGeom>
-          <a:solidFill>
-            <a:schemeClr val="accent6">
-              <a:lumMod val="75000"/>
-            </a:schemeClr>
-          </a:solidFill>
-        </p:spPr>
-        <p:style>
-          <a:lnRef idx="3">
-            <a:schemeClr val="lt1"/>
-          </a:lnRef>
-          <a:fillRef idx="1">
-            <a:schemeClr val="accent3"/>
-          </a:fillRef>
-          <a:effectRef idx="1">
-            <a:schemeClr val="accent3"/>
-          </a:effectRef>
-          <a:fontRef idx="minor">
-            <a:schemeClr val="lt1"/>
-          </a:fontRef>
-        </p:style>
-        <p:txBody>
-          <a:bodyPr rtlCol="0" anchor="ctr"/>
-          <a:lstStyle/>
-          <a:p>
-            <a:pPr algn="ctr"/>
-            <a:r>
-              <a:rPr lang="en-US" altLang="ja-JP" sz="3200" dirty="0">
-                <a:latin typeface="+mj-ea"/>
-                <a:ea typeface="+mj-ea"/>
-              </a:rPr>
-              <a:t>LT</a:t>
-            </a:r>
-            <a:endParaRPr kumimoji="1" lang="ja-JP" altLang="en-US" sz="3200" dirty="0">
-              <a:latin typeface="+mj-ea"/>
-              <a:ea typeface="+mj-ea"/>
-            </a:endParaRPr>
-          </a:p>
-        </p:txBody>
-      </p:sp>
-      <p:sp>
-        <p:nvSpPr>
-          <p:cNvPr id="6" name="正方形/長方形 5"/>
-          <p:cNvSpPr/>
-          <p:nvPr/>
-        </p:nvSpPr>
-        <p:spPr>
-          <a:xfrm>
-            <a:off x="2461361" y="1245763"/>
-            <a:ext cx="6593431" cy="1260000"/>
-          </a:xfrm>
-          <a:prstGeom prst="rect">
-            <a:avLst/>
-          </a:prstGeom>
-          <a:ln>
-            <a:solidFill>
-              <a:schemeClr val="accent6">
-                <a:lumMod val="75000"/>
-              </a:schemeClr>
-            </a:solidFill>
-          </a:ln>
-        </p:spPr>
-        <p:style>
-          <a:lnRef idx="2">
-            <a:schemeClr val="accent3"/>
-          </a:lnRef>
-          <a:fillRef idx="1">
-            <a:schemeClr val="lt1"/>
-          </a:fillRef>
-          <a:effectRef idx="0">
-            <a:schemeClr val="accent3"/>
-          </a:effectRef>
-          <a:fontRef idx="minor">
-            <a:schemeClr val="dk1"/>
-          </a:fontRef>
-        </p:style>
-        <p:txBody>
-          <a:bodyPr rtlCol="0" anchor="ctr"/>
-          <a:lstStyle/>
-          <a:p>
-            <a:pPr marL="342900" indent="-342900">
-              <a:buFont typeface="Arial" charset="0"/>
-              <a:buChar char="•"/>
-            </a:pPr>
-            <a:r>
-              <a:rPr kumimoji="1" lang="en-US" altLang="ja-JP" sz="2800" dirty="0">
-                <a:latin typeface="+mj-ea"/>
-                <a:ea typeface="+mj-ea"/>
-              </a:rPr>
-              <a:t>R</a:t>
-            </a:r>
-            <a:r>
-              <a:rPr kumimoji="1" lang="ja-JP" altLang="en-US" sz="2800" dirty="0">
-                <a:latin typeface="+mj-ea"/>
-                <a:ea typeface="+mj-ea"/>
-              </a:rPr>
-              <a:t>初心者向けのコンテンツ</a:t>
-            </a:r>
-            <a:endParaRPr kumimoji="1" lang="en-US" altLang="ja-JP" sz="2800" dirty="0">
-              <a:latin typeface="+mj-ea"/>
-              <a:ea typeface="+mj-ea"/>
-            </a:endParaRPr>
-          </a:p>
-          <a:p>
-            <a:pPr marL="342900" indent="-342900">
-              <a:buFont typeface="Arial" charset="0"/>
-              <a:buChar char="•"/>
-            </a:pPr>
-            <a:r>
-              <a:rPr lang="en-US" altLang="ja-JP" sz="2800" dirty="0">
-                <a:latin typeface="+mj-ea"/>
-                <a:ea typeface="+mj-ea"/>
-              </a:rPr>
-              <a:t>R/</a:t>
-            </a:r>
-            <a:r>
-              <a:rPr lang="en-US" altLang="ja-JP" sz="2800" dirty="0" err="1">
-                <a:latin typeface="+mj-ea"/>
-                <a:ea typeface="+mj-ea"/>
-              </a:rPr>
-              <a:t>Rstudio</a:t>
-            </a:r>
-            <a:r>
-              <a:rPr lang="ja-JP" altLang="en-US" sz="2800" dirty="0">
-                <a:latin typeface="+mj-ea"/>
-                <a:ea typeface="+mj-ea"/>
-              </a:rPr>
-              <a:t>の使い方や、データ整形</a:t>
-            </a:r>
-            <a:r>
-              <a:rPr lang="en-US" altLang="ja-JP" sz="2800" dirty="0">
-                <a:latin typeface="+mj-ea"/>
-                <a:ea typeface="+mj-ea"/>
-              </a:rPr>
-              <a:t> </a:t>
-            </a:r>
-            <a:r>
-              <a:rPr lang="ja-JP" altLang="en-US" sz="2800" dirty="0">
-                <a:latin typeface="+mj-ea"/>
-                <a:ea typeface="+mj-ea"/>
-              </a:rPr>
-              <a:t>等</a:t>
-            </a:r>
-            <a:endParaRPr kumimoji="1" lang="ja-JP" altLang="en-US" sz="2800" dirty="0">
-              <a:latin typeface="+mj-ea"/>
-              <a:ea typeface="+mj-ea"/>
-            </a:endParaRPr>
-          </a:p>
-        </p:txBody>
-      </p:sp>
-      <p:sp>
-        <p:nvSpPr>
-          <p:cNvPr id="7" name="正方形/長方形 6"/>
-          <p:cNvSpPr/>
-          <p:nvPr/>
-        </p:nvSpPr>
-        <p:spPr>
-          <a:xfrm>
-            <a:off x="2461361" y="2791432"/>
-            <a:ext cx="6593431" cy="1260000"/>
-          </a:xfrm>
-          <a:prstGeom prst="rect">
-            <a:avLst/>
-          </a:prstGeom>
-          <a:ln>
-            <a:solidFill>
-              <a:schemeClr val="accent6">
-                <a:lumMod val="75000"/>
-              </a:schemeClr>
-            </a:solidFill>
-          </a:ln>
-        </p:spPr>
-        <p:style>
-          <a:lnRef idx="2">
-            <a:schemeClr val="accent3"/>
-          </a:lnRef>
-          <a:fillRef idx="1">
-            <a:schemeClr val="lt1"/>
-          </a:fillRef>
-          <a:effectRef idx="0">
-            <a:schemeClr val="accent3"/>
-          </a:effectRef>
-          <a:fontRef idx="minor">
-            <a:schemeClr val="dk1"/>
-          </a:fontRef>
-        </p:style>
-        <p:txBody>
-          <a:bodyPr rtlCol="0" anchor="ctr"/>
-          <a:lstStyle/>
-          <a:p>
-            <a:pPr marL="342900" indent="-342900">
-              <a:buFont typeface="Arial" charset="0"/>
-              <a:buChar char="•"/>
-            </a:pPr>
-            <a:r>
-              <a:rPr lang="ja-JP" altLang="en-US" sz="2800" dirty="0">
-                <a:latin typeface="+mj-ea"/>
-                <a:ea typeface="+mj-ea"/>
-              </a:rPr>
-              <a:t>中級・上級者向けコンテンツ</a:t>
-            </a:r>
-            <a:endParaRPr lang="en-US" altLang="ja-JP" sz="2800" dirty="0">
-              <a:latin typeface="+mj-ea"/>
-              <a:ea typeface="+mj-ea"/>
-            </a:endParaRPr>
-          </a:p>
-          <a:p>
-            <a:pPr marL="342900" indent="-342900">
-              <a:buFont typeface="Arial" charset="0"/>
-              <a:buChar char="•"/>
-            </a:pPr>
-            <a:r>
-              <a:rPr kumimoji="1" lang="ja-JP" altLang="en-US" sz="2800" dirty="0">
-                <a:latin typeface="+mj-ea"/>
-                <a:ea typeface="+mj-ea"/>
-              </a:rPr>
-              <a:t>新しいパッケージ</a:t>
-            </a:r>
-            <a:r>
-              <a:rPr kumimoji="1" lang="ja-JP" altLang="en-US" sz="2800" dirty="0" smtClean="0">
-                <a:latin typeface="+mj-ea"/>
-                <a:ea typeface="+mj-ea"/>
-              </a:rPr>
-              <a:t>や手法</a:t>
-            </a:r>
-            <a:r>
-              <a:rPr kumimoji="1" lang="ja-JP" altLang="en-US" sz="2800" dirty="0">
-                <a:latin typeface="+mj-ea"/>
-                <a:ea typeface="+mj-ea"/>
-              </a:rPr>
-              <a:t>の紹介</a:t>
-            </a:r>
-            <a:r>
-              <a:rPr kumimoji="1" lang="en-US" altLang="ja-JP" sz="2800" dirty="0">
-                <a:latin typeface="+mj-ea"/>
-                <a:ea typeface="+mj-ea"/>
-              </a:rPr>
-              <a:t> </a:t>
-            </a:r>
-            <a:r>
-              <a:rPr kumimoji="1" lang="ja-JP" altLang="en-US" sz="2800" dirty="0">
-                <a:latin typeface="+mj-ea"/>
-                <a:ea typeface="+mj-ea"/>
-              </a:rPr>
-              <a:t>等</a:t>
-            </a:r>
-            <a:endParaRPr kumimoji="1" lang="en-US" altLang="ja-JP" sz="2800" dirty="0">
-              <a:latin typeface="+mj-ea"/>
-              <a:ea typeface="+mj-ea"/>
-            </a:endParaRPr>
-          </a:p>
-        </p:txBody>
-      </p:sp>
-      <p:sp>
-        <p:nvSpPr>
-          <p:cNvPr id="8" name="正方形/長方形 7"/>
-          <p:cNvSpPr/>
-          <p:nvPr/>
-        </p:nvSpPr>
-        <p:spPr>
-          <a:xfrm>
-            <a:off x="2461361" y="4337101"/>
-            <a:ext cx="6593431" cy="1260000"/>
-          </a:xfrm>
-          <a:prstGeom prst="rect">
-            <a:avLst/>
-          </a:prstGeom>
-          <a:ln>
-            <a:solidFill>
-              <a:schemeClr val="accent6">
-                <a:lumMod val="75000"/>
-              </a:schemeClr>
-            </a:solidFill>
-          </a:ln>
-        </p:spPr>
-        <p:style>
-          <a:lnRef idx="2">
-            <a:schemeClr val="accent3"/>
-          </a:lnRef>
-          <a:fillRef idx="1">
-            <a:schemeClr val="lt1"/>
-          </a:fillRef>
-          <a:effectRef idx="0">
-            <a:schemeClr val="accent3"/>
-          </a:effectRef>
-          <a:fontRef idx="minor">
-            <a:schemeClr val="dk1"/>
-          </a:fontRef>
-        </p:style>
-        <p:txBody>
-          <a:bodyPr rtlCol="0" anchor="ctr"/>
-          <a:lstStyle/>
-          <a:p>
-            <a:pPr marL="342900" indent="-342900">
-              <a:buFont typeface="Arial" charset="0"/>
-              <a:buChar char="•"/>
-            </a:pPr>
-            <a:r>
-              <a:rPr lang="en-US" altLang="ja-JP" sz="2800" dirty="0">
-                <a:latin typeface="+mj-ea"/>
-                <a:ea typeface="+mj-ea"/>
-              </a:rPr>
-              <a:t>R</a:t>
-            </a:r>
-            <a:r>
-              <a:rPr lang="ja-JP" altLang="en-US" sz="2800" dirty="0">
-                <a:latin typeface="+mj-ea"/>
-                <a:ea typeface="+mj-ea"/>
-              </a:rPr>
-              <a:t>や分析に関するネタ</a:t>
-            </a:r>
-            <a:endParaRPr lang="en-US" altLang="ja-JP" sz="2800" dirty="0">
-              <a:latin typeface="+mj-ea"/>
-              <a:ea typeface="+mj-ea"/>
-            </a:endParaRPr>
-          </a:p>
-          <a:p>
-            <a:pPr marL="342900" indent="-342900">
-              <a:buFont typeface="Arial" charset="0"/>
-              <a:buChar char="•"/>
-            </a:pPr>
-            <a:r>
-              <a:rPr lang="ja-JP" altLang="en-US" sz="2800" dirty="0">
-                <a:latin typeface="+mj-ea"/>
-                <a:ea typeface="+mj-ea"/>
-              </a:rPr>
-              <a:t>自分の話したいことを話す</a:t>
-            </a:r>
-            <a:endParaRPr lang="en-US" altLang="ja-JP" sz="2400" dirty="0">
-              <a:latin typeface="+mj-ea"/>
-              <a:ea typeface="+mj-ea"/>
-            </a:endParaRPr>
-          </a:p>
-        </p:txBody>
-      </p:sp>
-    </p:spTree>
-    <p:extLst>
-      <p:ext uri="{BB962C8B-B14F-4D97-AF65-F5344CB8AC3E}">
-        <p14:creationId xmlns:p14="http://schemas.microsoft.com/office/powerpoint/2010/main" val="1466852449"/>
-      </p:ext>
-    </p:extLst>
-  </p:cSld>
-  <p:clrMapOvr>
-    <a:masterClrMapping/>
-  </p:clrMapOvr>
-</p:sld>
-</file>
-
-<file path=ppt/slides/slide4.xml><?xml version="1.0" encoding="utf-8"?>
-<p:sld xmlns:a="http://schemas.openxmlformats.org/drawingml/2006/main" xmlns:r="http://schemas.openxmlformats.org/officeDocument/2006/relationships" xmlns:p="http://schemas.openxmlformats.org/presentationml/2006/main">
-  <p:cSld>
-    <p:spTree>
-      <p:nvGrpSpPr>
-        <p:cNvPr id="1" name=""/>
-        <p:cNvGrpSpPr/>
-        <p:nvPr/>
-      </p:nvGrpSpPr>
-      <p:grpSpPr>
-        <a:xfrm>
-          <a:off x="0" y="0"/>
-          <a:ext cx="0" cy="0"/>
-          <a:chOff x="0" y="0"/>
-          <a:chExt cx="0" cy="0"/>
-        </a:xfrm>
-      </p:grpSpPr>
-      <p:sp>
-        <p:nvSpPr>
-          <p:cNvPr id="2" name="タイトル 1"/>
-          <p:cNvSpPr txBox="1">
-            <a:spLocks/>
-          </p:cNvSpPr>
-          <p:nvPr/>
-        </p:nvSpPr>
-        <p:spPr>
-          <a:xfrm>
-            <a:off x="1306551" y="1046162"/>
-            <a:ext cx="10515600" cy="1325563"/>
-          </a:xfrm>
-          <a:prstGeom prst="rect">
-            <a:avLst/>
-          </a:prstGeom>
-        </p:spPr>
-        <p:txBody>
-          <a:bodyPr/>
-          <a:lstStyle>
-            <a:lvl1pPr algn="l" defTabSz="914400" rtl="0" eaLnBrk="1" latinLnBrk="0" hangingPunct="1">
-              <a:lnSpc>
-                <a:spcPct val="90000"/>
-              </a:lnSpc>
-              <a:spcBef>
-                <a:spcPct val="0"/>
-              </a:spcBef>
-              <a:buNone/>
-              <a:defRPr kumimoji="1" sz="4400" kern="1200">
-                <a:solidFill>
-                  <a:schemeClr val="tx1"/>
-                </a:solidFill>
-                <a:latin typeface="+mj-lt"/>
-                <a:ea typeface="+mj-ea"/>
-                <a:cs typeface="+mj-cs"/>
-              </a:defRPr>
-            </a:lvl1pPr>
-          </a:lstStyle>
-          <a:p>
-            <a:r>
-              <a:rPr lang="ja-JP" altLang="en-US" b="1" smtClean="0"/>
-              <a:t>懇親会もあります</a:t>
-            </a:r>
-            <a:endParaRPr lang="ja-JP" altLang="en-US" b="1" dirty="0"/>
-          </a:p>
-        </p:txBody>
-      </p:sp>
-      <p:sp>
-        <p:nvSpPr>
-          <p:cNvPr id="3" name="コンテンツ プレースホルダー 2"/>
-          <p:cNvSpPr txBox="1">
-            <a:spLocks/>
-          </p:cNvSpPr>
-          <p:nvPr/>
-        </p:nvSpPr>
-        <p:spPr>
-          <a:xfrm>
-            <a:off x="1306551" y="2506662"/>
-            <a:ext cx="10515600" cy="4351338"/>
-          </a:xfrm>
-          <a:prstGeom prst="rect">
-            <a:avLst/>
-          </a:prstGeom>
-        </p:spPr>
-        <p:txBody>
-          <a:bodyPr/>
-          <a:lstStyle>
-            <a:lvl1pPr marL="228600" indent="-228600" algn="l" defTabSz="914400" rtl="0" eaLnBrk="1" latinLnBrk="0" hangingPunct="1">
-              <a:lnSpc>
-                <a:spcPct val="90000"/>
-              </a:lnSpc>
-              <a:spcBef>
-                <a:spcPts val="1000"/>
-              </a:spcBef>
-              <a:buFont typeface="Arial" panose="020B0604020202020204" pitchFamily="34" charset="0"/>
-              <a:buChar char="•"/>
-              <a:defRPr kumimoji="1" sz="2800" kern="1200">
-                <a:solidFill>
-                  <a:schemeClr val="tx1"/>
-                </a:solidFill>
-                <a:latin typeface="+mn-lt"/>
-                <a:ea typeface="+mn-ea"/>
-                <a:cs typeface="+mn-cs"/>
-              </a:defRPr>
-            </a:lvl1pPr>
-            <a:lvl2pPr marL="685800" indent="-228600" algn="l" defTabSz="914400" rtl="0" eaLnBrk="1" latinLnBrk="0" hangingPunct="1">
-              <a:lnSpc>
-                <a:spcPct val="90000"/>
-              </a:lnSpc>
-              <a:spcBef>
-                <a:spcPts val="500"/>
-              </a:spcBef>
-              <a:buFont typeface="Arial" panose="020B0604020202020204" pitchFamily="34" charset="0"/>
-              <a:buChar char="•"/>
-              <a:defRPr kumimoji="1" sz="2400" kern="1200">
-                <a:solidFill>
-                  <a:schemeClr val="tx1"/>
-                </a:solidFill>
-                <a:latin typeface="+mn-lt"/>
-                <a:ea typeface="+mn-ea"/>
-                <a:cs typeface="+mn-cs"/>
-              </a:defRPr>
-            </a:lvl2pPr>
-            <a:lvl3pPr marL="1143000" indent="-228600" algn="l" defTabSz="914400" rtl="0" eaLnBrk="1" latinLnBrk="0" hangingPunct="1">
-              <a:lnSpc>
-                <a:spcPct val="90000"/>
-              </a:lnSpc>
-              <a:spcBef>
-                <a:spcPts val="500"/>
-              </a:spcBef>
-              <a:buFont typeface="Arial" panose="020B0604020202020204" pitchFamily="34" charset="0"/>
-              <a:buChar char="•"/>
-              <a:defRPr kumimoji="1" sz="2000" kern="1200">
-                <a:solidFill>
-                  <a:schemeClr val="tx1"/>
-                </a:solidFill>
-                <a:latin typeface="+mn-lt"/>
-                <a:ea typeface="+mn-ea"/>
-                <a:cs typeface="+mn-cs"/>
-              </a:defRPr>
-            </a:lvl3pPr>
-            <a:lvl4pPr marL="1600200" indent="-228600" algn="l" defTabSz="914400" rtl="0" eaLnBrk="1" latinLnBrk="0" hangingPunct="1">
-              <a:lnSpc>
-                <a:spcPct val="90000"/>
-              </a:lnSpc>
-              <a:spcBef>
-                <a:spcPts val="500"/>
-              </a:spcBef>
-              <a:buFont typeface="Arial" panose="020B0604020202020204" pitchFamily="34" charset="0"/>
-              <a:buChar char="•"/>
-              <a:defRPr kumimoji="1" sz="1800" kern="1200">
-                <a:solidFill>
-                  <a:schemeClr val="tx1"/>
-                </a:solidFill>
-                <a:latin typeface="+mn-lt"/>
-                <a:ea typeface="+mn-ea"/>
-                <a:cs typeface="+mn-cs"/>
-              </a:defRPr>
-            </a:lvl4pPr>
-            <a:lvl5pPr marL="2057400" indent="-228600" algn="l" defTabSz="914400" rtl="0" eaLnBrk="1" latinLnBrk="0" hangingPunct="1">
-              <a:lnSpc>
-                <a:spcPct val="90000"/>
-              </a:lnSpc>
-              <a:spcBef>
-                <a:spcPts val="500"/>
-              </a:spcBef>
-              <a:buFont typeface="Arial" panose="020B0604020202020204" pitchFamily="34" charset="0"/>
-              <a:buChar char="•"/>
-              <a:defRPr kumimoji="1" sz="1800" kern="1200">
-                <a:solidFill>
-                  <a:schemeClr val="tx1"/>
-                </a:solidFill>
-                <a:latin typeface="+mn-lt"/>
-                <a:ea typeface="+mn-ea"/>
-                <a:cs typeface="+mn-cs"/>
-              </a:defRPr>
-            </a:lvl5pPr>
-            <a:lvl6pPr marL="2514600" indent="-228600" algn="l" defTabSz="914400" rtl="0" eaLnBrk="1" latinLnBrk="0" hangingPunct="1">
-              <a:lnSpc>
-                <a:spcPct val="90000"/>
-              </a:lnSpc>
-              <a:spcBef>
-                <a:spcPts val="500"/>
-              </a:spcBef>
-              <a:buFont typeface="Arial" panose="020B0604020202020204" pitchFamily="34" charset="0"/>
-              <a:buChar char="•"/>
-              <a:defRPr kumimoji="1" sz="1800" kern="1200">
-                <a:solidFill>
-                  <a:schemeClr val="tx1"/>
-                </a:solidFill>
-                <a:latin typeface="+mn-lt"/>
-                <a:ea typeface="+mn-ea"/>
-                <a:cs typeface="+mn-cs"/>
-              </a:defRPr>
-            </a:lvl6pPr>
-            <a:lvl7pPr marL="2971800" indent="-228600" algn="l" defTabSz="914400" rtl="0" eaLnBrk="1" latinLnBrk="0" hangingPunct="1">
-              <a:lnSpc>
-                <a:spcPct val="90000"/>
-              </a:lnSpc>
-              <a:spcBef>
-                <a:spcPts val="500"/>
-              </a:spcBef>
-              <a:buFont typeface="Arial" panose="020B0604020202020204" pitchFamily="34" charset="0"/>
-              <a:buChar char="•"/>
-              <a:defRPr kumimoji="1" sz="1800" kern="1200">
-                <a:solidFill>
-                  <a:schemeClr val="tx1"/>
-                </a:solidFill>
-                <a:latin typeface="+mn-lt"/>
-                <a:ea typeface="+mn-ea"/>
-                <a:cs typeface="+mn-cs"/>
-              </a:defRPr>
-            </a:lvl7pPr>
-            <a:lvl8pPr marL="3429000" indent="-228600" algn="l" defTabSz="914400" rtl="0" eaLnBrk="1" latinLnBrk="0" hangingPunct="1">
-              <a:lnSpc>
-                <a:spcPct val="90000"/>
-              </a:lnSpc>
-              <a:spcBef>
-                <a:spcPts val="500"/>
-              </a:spcBef>
-              <a:buFont typeface="Arial" panose="020B0604020202020204" pitchFamily="34" charset="0"/>
-              <a:buChar char="•"/>
-              <a:defRPr kumimoji="1" sz="1800" kern="1200">
-                <a:solidFill>
-                  <a:schemeClr val="tx1"/>
-                </a:solidFill>
-                <a:latin typeface="+mn-lt"/>
-                <a:ea typeface="+mn-ea"/>
-                <a:cs typeface="+mn-cs"/>
-              </a:defRPr>
-            </a:lvl8pPr>
-            <a:lvl9pPr marL="3886200" indent="-228600" algn="l" defTabSz="914400" rtl="0" eaLnBrk="1" latinLnBrk="0" hangingPunct="1">
-              <a:lnSpc>
-                <a:spcPct val="90000"/>
-              </a:lnSpc>
-              <a:spcBef>
-                <a:spcPts val="500"/>
-              </a:spcBef>
-              <a:buFont typeface="Arial" panose="020B0604020202020204" pitchFamily="34" charset="0"/>
-              <a:buChar char="•"/>
-              <a:defRPr kumimoji="1" sz="1800" kern="1200">
-                <a:solidFill>
-                  <a:schemeClr val="tx1"/>
-                </a:solidFill>
-                <a:latin typeface="+mn-lt"/>
-                <a:ea typeface="+mn-ea"/>
-                <a:cs typeface="+mn-cs"/>
-              </a:defRPr>
-            </a:lvl9pPr>
-          </a:lstStyle>
-          <a:p>
-            <a:r>
-              <a:rPr lang="en-US" altLang="ja-JP" sz="3600" dirty="0" smtClean="0">
-                <a:latin typeface="+mj-ea"/>
-                <a:ea typeface="+mj-ea"/>
-              </a:rPr>
-              <a:t>1</a:t>
-            </a:r>
-            <a:r>
-              <a:rPr lang="ja-JP" altLang="en-US" sz="3600" dirty="0" smtClean="0">
-                <a:latin typeface="+mj-ea"/>
-                <a:ea typeface="+mj-ea"/>
-              </a:rPr>
-              <a:t>次会：会場で立食パーティ</a:t>
-            </a:r>
-            <a:endParaRPr lang="en-US" altLang="ja-JP" sz="3600" dirty="0" smtClean="0">
-              <a:latin typeface="+mj-ea"/>
-              <a:ea typeface="+mj-ea"/>
-            </a:endParaRPr>
-          </a:p>
-          <a:p>
-            <a:pPr lvl="1">
-              <a:spcBef>
-                <a:spcPts val="1100"/>
-              </a:spcBef>
-            </a:pPr>
-            <a:r>
-              <a:rPr lang="ja-JP" altLang="en-US" sz="2800" dirty="0" smtClean="0">
-                <a:latin typeface="+mj-ea"/>
-                <a:ea typeface="+mj-ea"/>
-              </a:rPr>
-              <a:t>発表者</a:t>
-            </a:r>
-            <a:r>
-              <a:rPr lang="en-US" altLang="ja-JP" sz="2800" dirty="0" smtClean="0">
-                <a:latin typeface="+mj-ea"/>
-                <a:ea typeface="+mj-ea"/>
-              </a:rPr>
-              <a:t>(LT</a:t>
-            </a:r>
-            <a:r>
-              <a:rPr lang="ja-JP" altLang="en-US" sz="2800" dirty="0" smtClean="0">
-                <a:latin typeface="+mj-ea"/>
-                <a:ea typeface="+mj-ea"/>
-              </a:rPr>
-              <a:t>除く</a:t>
-            </a:r>
-            <a:r>
-              <a:rPr lang="en-US" altLang="ja-JP" sz="2800" dirty="0" smtClean="0">
-                <a:latin typeface="+mj-ea"/>
-                <a:ea typeface="+mj-ea"/>
-              </a:rPr>
-              <a:t>)</a:t>
-            </a:r>
-            <a:r>
-              <a:rPr lang="ja-JP" altLang="en-US" sz="2800" dirty="0" smtClean="0">
-                <a:latin typeface="+mj-ea"/>
-                <a:ea typeface="+mj-ea"/>
-              </a:rPr>
-              <a:t>：無料</a:t>
-            </a:r>
-            <a:endParaRPr lang="en-US" altLang="ja-JP" sz="2800" dirty="0" smtClean="0">
-              <a:latin typeface="+mj-ea"/>
-              <a:ea typeface="+mj-ea"/>
-            </a:endParaRPr>
-          </a:p>
-          <a:p>
-            <a:endParaRPr lang="en-US" altLang="ja-JP" dirty="0" smtClean="0">
-              <a:latin typeface="+mj-ea"/>
-              <a:ea typeface="+mj-ea"/>
-            </a:endParaRPr>
-          </a:p>
-          <a:p>
-            <a:r>
-              <a:rPr lang="en-US" altLang="ja-JP" sz="3600" dirty="0" smtClean="0">
-                <a:latin typeface="+mj-ea"/>
-                <a:ea typeface="+mj-ea"/>
-              </a:rPr>
-              <a:t>2</a:t>
-            </a:r>
-            <a:r>
-              <a:rPr lang="ja-JP" altLang="en-US" sz="3600" dirty="0" smtClean="0">
-                <a:latin typeface="+mj-ea"/>
-                <a:ea typeface="+mj-ea"/>
-              </a:rPr>
-              <a:t>次会：近くの居酒屋とか</a:t>
-            </a:r>
-            <a:endParaRPr lang="ja-JP" altLang="en-US" sz="3600" dirty="0">
-              <a:latin typeface="+mj-ea"/>
-              <a:ea typeface="+mj-ea"/>
-            </a:endParaRPr>
-          </a:p>
-        </p:txBody>
-      </p:sp>
-    </p:spTree>
-    <p:extLst>
-      <p:ext uri="{BB962C8B-B14F-4D97-AF65-F5344CB8AC3E}">
-        <p14:creationId xmlns:p14="http://schemas.microsoft.com/office/powerpoint/2010/main" val="8605789"/>
-      </p:ext>
-    </p:extLst>
-  </p:cSld>
-  <p:clrMapOvr>
-    <a:masterClrMapping/>
-  </p:clrMapOvr>
-</p:sld>
-</file>
-
-<file path=ppt/slides/slide5.xml><?xml version="1.0" encoding="utf-8"?>
 <p:sld xmlns:a="http://schemas.openxmlformats.org/drawingml/2006/main" xmlns:r="http://schemas.openxmlformats.org/officeDocument/2006/relationships" xmlns:p="http://schemas.openxmlformats.org/presentationml/2006/main">
   <p:cSld>
     <p:spTree>
@@ -6040,7 +6178,7 @@
     </p:spTree>
     <p:extLst>
       <p:ext uri="{BB962C8B-B14F-4D97-AF65-F5344CB8AC3E}">
-        <p14:creationId xmlns:p14="http://schemas.microsoft.com/office/powerpoint/2010/main" val="947574087"/>
+        <p14:creationId xmlns:p14="http://schemas.microsoft.com/office/powerpoint/2010/main" val="216615836"/>
       </p:ext>
     </p:extLst>
   </p:cSld>
@@ -6050,7 +6188,7 @@
 </p:sld>
 </file>
 
-<file path=ppt/slides/slide6.xml><?xml version="1.0" encoding="utf-8"?>
+<file path=ppt/slides/slide4.xml><?xml version="1.0" encoding="utf-8"?>
 <p:sld xmlns:a="http://schemas.openxmlformats.org/drawingml/2006/main" xmlns:r="http://schemas.openxmlformats.org/officeDocument/2006/relationships" xmlns:p="http://schemas.openxmlformats.org/presentationml/2006/main">
   <p:cSld>
     <p:spTree>
@@ -7139,7 +7277,7 @@
           <p:cNvPr id="37" name="図 36">
             <a:extLst>
               <a:ext uri="{FF2B5EF4-FFF2-40B4-BE49-F238E27FC236}">
-                <a16:creationId xmlns="" xmlns:a16="http://schemas.microsoft.com/office/drawing/2014/main" id="{F639CA1C-5488-6340-A4E3-DAD33F85C1C5}"/>
+                <a16:creationId xmlns:a16="http://schemas.microsoft.com/office/drawing/2014/main" xmlns="" id="{F639CA1C-5488-6340-A4E3-DAD33F85C1C5}"/>
               </a:ext>
             </a:extLst>
           </p:cNvPr>
@@ -7261,7 +7399,877 @@
     </p:spTree>
     <p:extLst>
       <p:ext uri="{BB962C8B-B14F-4D97-AF65-F5344CB8AC3E}">
-        <p14:creationId xmlns:p14="http://schemas.microsoft.com/office/powerpoint/2010/main" val="790265423"/>
+        <p14:creationId xmlns:p14="http://schemas.microsoft.com/office/powerpoint/2010/main" val="2027703115"/>
+      </p:ext>
+    </p:extLst>
+  </p:cSld>
+  <p:clrMapOvr>
+    <a:masterClrMapping/>
+  </p:clrMapOvr>
+</p:sld>
+</file>
+
+<file path=ppt/slides/slide5.xml><?xml version="1.0" encoding="utf-8"?>
+<p:sld xmlns:a="http://schemas.openxmlformats.org/drawingml/2006/main" xmlns:r="http://schemas.openxmlformats.org/officeDocument/2006/relationships" xmlns:p="http://schemas.openxmlformats.org/presentationml/2006/main">
+  <p:cSld>
+    <p:spTree>
+      <p:nvGrpSpPr>
+        <p:cNvPr id="1" name=""/>
+        <p:cNvGrpSpPr/>
+        <p:nvPr/>
+      </p:nvGrpSpPr>
+      <p:grpSpPr>
+        <a:xfrm>
+          <a:off x="0" y="0"/>
+          <a:ext cx="0" cy="0"/>
+          <a:chOff x="0" y="0"/>
+          <a:chExt cx="0" cy="0"/>
+        </a:xfrm>
+      </p:grpSpPr>
+      <p:sp>
+        <p:nvSpPr>
+          <p:cNvPr id="2" name="テキスト ボックス 1"/>
+          <p:cNvSpPr txBox="1"/>
+          <p:nvPr/>
+        </p:nvSpPr>
+        <p:spPr>
+          <a:xfrm>
+            <a:off x="201379" y="122251"/>
+            <a:ext cx="1415772" cy="830997"/>
+          </a:xfrm>
+          <a:prstGeom prst="rect">
+            <a:avLst/>
+          </a:prstGeom>
+          <a:noFill/>
+        </p:spPr>
+        <p:txBody>
+          <a:bodyPr wrap="none" rtlCol="0">
+            <a:spAutoFit/>
+          </a:bodyPr>
+          <a:lstStyle/>
+          <a:p>
+            <a:r>
+              <a:rPr lang="ja-JP" altLang="en-US" sz="4800" dirty="0" smtClean="0"/>
+              <a:t>構成</a:t>
+            </a:r>
+            <a:endParaRPr kumimoji="1" lang="en-US" altLang="ja-JP" sz="4400" dirty="0" smtClean="0"/>
+          </a:p>
+        </p:txBody>
+      </p:sp>
+      <p:sp>
+        <p:nvSpPr>
+          <p:cNvPr id="3" name="正方形/長方形 2"/>
+          <p:cNvSpPr/>
+          <p:nvPr/>
+        </p:nvSpPr>
+        <p:spPr>
+          <a:xfrm>
+            <a:off x="112170" y="1245763"/>
+            <a:ext cx="2229587" cy="1260000"/>
+          </a:xfrm>
+          <a:prstGeom prst="rect">
+            <a:avLst/>
+          </a:prstGeom>
+          <a:solidFill>
+            <a:schemeClr val="accent6">
+              <a:lumMod val="75000"/>
+            </a:schemeClr>
+          </a:solidFill>
+        </p:spPr>
+        <p:style>
+          <a:lnRef idx="3">
+            <a:schemeClr val="lt1"/>
+          </a:lnRef>
+          <a:fillRef idx="1">
+            <a:schemeClr val="accent3"/>
+          </a:fillRef>
+          <a:effectRef idx="1">
+            <a:schemeClr val="accent3"/>
+          </a:effectRef>
+          <a:fontRef idx="minor">
+            <a:schemeClr val="lt1"/>
+          </a:fontRef>
+        </p:style>
+        <p:txBody>
+          <a:bodyPr rtlCol="0" anchor="ctr"/>
+          <a:lstStyle/>
+          <a:p>
+            <a:pPr algn="ctr"/>
+            <a:r>
+              <a:rPr kumimoji="1" lang="ja-JP" altLang="en-US" sz="3200" dirty="0"/>
+              <a:t>初心者</a:t>
+            </a:r>
+            <a:endParaRPr kumimoji="1" lang="en-US" altLang="ja-JP" sz="3200" dirty="0"/>
+          </a:p>
+          <a:p>
+            <a:pPr algn="ctr"/>
+            <a:r>
+              <a:rPr kumimoji="1" lang="ja-JP" altLang="en-US" sz="3200" dirty="0"/>
+              <a:t>セッション</a:t>
+            </a:r>
+          </a:p>
+        </p:txBody>
+      </p:sp>
+      <p:sp>
+        <p:nvSpPr>
+          <p:cNvPr id="4" name="正方形/長方形 3"/>
+          <p:cNvSpPr/>
+          <p:nvPr/>
+        </p:nvSpPr>
+        <p:spPr>
+          <a:xfrm>
+            <a:off x="112170" y="2791432"/>
+            <a:ext cx="2229587" cy="1260000"/>
+          </a:xfrm>
+          <a:prstGeom prst="rect">
+            <a:avLst/>
+          </a:prstGeom>
+          <a:solidFill>
+            <a:schemeClr val="accent6">
+              <a:lumMod val="75000"/>
+            </a:schemeClr>
+          </a:solidFill>
+        </p:spPr>
+        <p:style>
+          <a:lnRef idx="3">
+            <a:schemeClr val="lt1"/>
+          </a:lnRef>
+          <a:fillRef idx="1">
+            <a:schemeClr val="accent3"/>
+          </a:fillRef>
+          <a:effectRef idx="1">
+            <a:schemeClr val="accent3"/>
+          </a:effectRef>
+          <a:fontRef idx="minor">
+            <a:schemeClr val="lt1"/>
+          </a:fontRef>
+        </p:style>
+        <p:txBody>
+          <a:bodyPr rtlCol="0" anchor="ctr"/>
+          <a:lstStyle/>
+          <a:p>
+            <a:pPr algn="ctr"/>
+            <a:r>
+              <a:rPr lang="ja-JP" altLang="en-US" sz="3200" dirty="0"/>
+              <a:t>応用</a:t>
+            </a:r>
+            <a:endParaRPr lang="en-US" altLang="ja-JP" sz="3200" dirty="0"/>
+          </a:p>
+          <a:p>
+            <a:pPr algn="ctr"/>
+            <a:r>
+              <a:rPr kumimoji="1" lang="ja-JP" altLang="en-US" sz="3200" dirty="0"/>
+              <a:t>セッション</a:t>
+            </a:r>
+          </a:p>
+        </p:txBody>
+      </p:sp>
+      <p:sp>
+        <p:nvSpPr>
+          <p:cNvPr id="5" name="正方形/長方形 4"/>
+          <p:cNvSpPr/>
+          <p:nvPr/>
+        </p:nvSpPr>
+        <p:spPr>
+          <a:xfrm>
+            <a:off x="112170" y="4337101"/>
+            <a:ext cx="2229587" cy="1260000"/>
+          </a:xfrm>
+          <a:prstGeom prst="rect">
+            <a:avLst/>
+          </a:prstGeom>
+          <a:solidFill>
+            <a:schemeClr val="accent6">
+              <a:lumMod val="75000"/>
+            </a:schemeClr>
+          </a:solidFill>
+        </p:spPr>
+        <p:style>
+          <a:lnRef idx="3">
+            <a:schemeClr val="lt1"/>
+          </a:lnRef>
+          <a:fillRef idx="1">
+            <a:schemeClr val="accent3"/>
+          </a:fillRef>
+          <a:effectRef idx="1">
+            <a:schemeClr val="accent3"/>
+          </a:effectRef>
+          <a:fontRef idx="minor">
+            <a:schemeClr val="lt1"/>
+          </a:fontRef>
+        </p:style>
+        <p:txBody>
+          <a:bodyPr rtlCol="0" anchor="ctr"/>
+          <a:lstStyle/>
+          <a:p>
+            <a:pPr algn="ctr"/>
+            <a:r>
+              <a:rPr lang="en-US" altLang="ja-JP" sz="3200" dirty="0">
+                <a:latin typeface="+mj-ea"/>
+                <a:ea typeface="+mj-ea"/>
+              </a:rPr>
+              <a:t>LT</a:t>
+            </a:r>
+            <a:endParaRPr kumimoji="1" lang="ja-JP" altLang="en-US" sz="3200" dirty="0">
+              <a:latin typeface="+mj-ea"/>
+              <a:ea typeface="+mj-ea"/>
+            </a:endParaRPr>
+          </a:p>
+        </p:txBody>
+      </p:sp>
+      <p:sp>
+        <p:nvSpPr>
+          <p:cNvPr id="6" name="正方形/長方形 5"/>
+          <p:cNvSpPr/>
+          <p:nvPr/>
+        </p:nvSpPr>
+        <p:spPr>
+          <a:xfrm>
+            <a:off x="2461361" y="1245763"/>
+            <a:ext cx="6593431" cy="1260000"/>
+          </a:xfrm>
+          <a:prstGeom prst="rect">
+            <a:avLst/>
+          </a:prstGeom>
+          <a:ln>
+            <a:solidFill>
+              <a:schemeClr val="accent6">
+                <a:lumMod val="75000"/>
+              </a:schemeClr>
+            </a:solidFill>
+          </a:ln>
+        </p:spPr>
+        <p:style>
+          <a:lnRef idx="2">
+            <a:schemeClr val="accent3"/>
+          </a:lnRef>
+          <a:fillRef idx="1">
+            <a:schemeClr val="lt1"/>
+          </a:fillRef>
+          <a:effectRef idx="0">
+            <a:schemeClr val="accent3"/>
+          </a:effectRef>
+          <a:fontRef idx="minor">
+            <a:schemeClr val="dk1"/>
+          </a:fontRef>
+        </p:style>
+        <p:txBody>
+          <a:bodyPr rtlCol="0" anchor="ctr"/>
+          <a:lstStyle/>
+          <a:p>
+            <a:pPr marL="342900" indent="-342900">
+              <a:buFont typeface="Arial" charset="0"/>
+              <a:buChar char="•"/>
+            </a:pPr>
+            <a:r>
+              <a:rPr kumimoji="1" lang="en-US" altLang="ja-JP" sz="2800" dirty="0">
+                <a:latin typeface="+mj-ea"/>
+                <a:ea typeface="+mj-ea"/>
+              </a:rPr>
+              <a:t>R</a:t>
+            </a:r>
+            <a:r>
+              <a:rPr kumimoji="1" lang="ja-JP" altLang="en-US" sz="2800" dirty="0">
+                <a:latin typeface="+mj-ea"/>
+                <a:ea typeface="+mj-ea"/>
+              </a:rPr>
+              <a:t>初心者向けのコンテンツ</a:t>
+            </a:r>
+            <a:endParaRPr kumimoji="1" lang="en-US" altLang="ja-JP" sz="2800" dirty="0">
+              <a:latin typeface="+mj-ea"/>
+              <a:ea typeface="+mj-ea"/>
+            </a:endParaRPr>
+          </a:p>
+          <a:p>
+            <a:pPr marL="342900" indent="-342900">
+              <a:buFont typeface="Arial" charset="0"/>
+              <a:buChar char="•"/>
+            </a:pPr>
+            <a:r>
+              <a:rPr lang="en-US" altLang="ja-JP" sz="2800" dirty="0">
+                <a:latin typeface="+mj-ea"/>
+                <a:ea typeface="+mj-ea"/>
+              </a:rPr>
+              <a:t>R/</a:t>
+            </a:r>
+            <a:r>
+              <a:rPr lang="en-US" altLang="ja-JP" sz="2800" dirty="0" err="1">
+                <a:latin typeface="+mj-ea"/>
+                <a:ea typeface="+mj-ea"/>
+              </a:rPr>
+              <a:t>Rstudio</a:t>
+            </a:r>
+            <a:r>
+              <a:rPr lang="ja-JP" altLang="en-US" sz="2800" dirty="0">
+                <a:latin typeface="+mj-ea"/>
+                <a:ea typeface="+mj-ea"/>
+              </a:rPr>
+              <a:t>の使い方や、データ整形</a:t>
+            </a:r>
+            <a:r>
+              <a:rPr lang="en-US" altLang="ja-JP" sz="2800" dirty="0">
+                <a:latin typeface="+mj-ea"/>
+                <a:ea typeface="+mj-ea"/>
+              </a:rPr>
+              <a:t> </a:t>
+            </a:r>
+            <a:r>
+              <a:rPr lang="ja-JP" altLang="en-US" sz="2800" dirty="0">
+                <a:latin typeface="+mj-ea"/>
+                <a:ea typeface="+mj-ea"/>
+              </a:rPr>
+              <a:t>等</a:t>
+            </a:r>
+            <a:endParaRPr kumimoji="1" lang="ja-JP" altLang="en-US" sz="2800" dirty="0">
+              <a:latin typeface="+mj-ea"/>
+              <a:ea typeface="+mj-ea"/>
+            </a:endParaRPr>
+          </a:p>
+        </p:txBody>
+      </p:sp>
+      <p:sp>
+        <p:nvSpPr>
+          <p:cNvPr id="7" name="正方形/長方形 6"/>
+          <p:cNvSpPr/>
+          <p:nvPr/>
+        </p:nvSpPr>
+        <p:spPr>
+          <a:xfrm>
+            <a:off x="2461361" y="2791432"/>
+            <a:ext cx="6593431" cy="1260000"/>
+          </a:xfrm>
+          <a:prstGeom prst="rect">
+            <a:avLst/>
+          </a:prstGeom>
+          <a:ln>
+            <a:solidFill>
+              <a:schemeClr val="accent6">
+                <a:lumMod val="75000"/>
+              </a:schemeClr>
+            </a:solidFill>
+          </a:ln>
+        </p:spPr>
+        <p:style>
+          <a:lnRef idx="2">
+            <a:schemeClr val="accent3"/>
+          </a:lnRef>
+          <a:fillRef idx="1">
+            <a:schemeClr val="lt1"/>
+          </a:fillRef>
+          <a:effectRef idx="0">
+            <a:schemeClr val="accent3"/>
+          </a:effectRef>
+          <a:fontRef idx="minor">
+            <a:schemeClr val="dk1"/>
+          </a:fontRef>
+        </p:style>
+        <p:txBody>
+          <a:bodyPr rtlCol="0" anchor="ctr"/>
+          <a:lstStyle/>
+          <a:p>
+            <a:pPr marL="342900" indent="-342900">
+              <a:buFont typeface="Arial" charset="0"/>
+              <a:buChar char="•"/>
+            </a:pPr>
+            <a:r>
+              <a:rPr lang="ja-JP" altLang="en-US" sz="2800" dirty="0">
+                <a:latin typeface="+mj-ea"/>
+                <a:ea typeface="+mj-ea"/>
+              </a:rPr>
+              <a:t>中級・上級者向けコンテンツ</a:t>
+            </a:r>
+            <a:endParaRPr lang="en-US" altLang="ja-JP" sz="2800" dirty="0">
+              <a:latin typeface="+mj-ea"/>
+              <a:ea typeface="+mj-ea"/>
+            </a:endParaRPr>
+          </a:p>
+          <a:p>
+            <a:pPr marL="342900" indent="-342900">
+              <a:buFont typeface="Arial" charset="0"/>
+              <a:buChar char="•"/>
+            </a:pPr>
+            <a:r>
+              <a:rPr kumimoji="1" lang="ja-JP" altLang="en-US" sz="2800" dirty="0">
+                <a:latin typeface="+mj-ea"/>
+                <a:ea typeface="+mj-ea"/>
+              </a:rPr>
+              <a:t>新しいパッケージ</a:t>
+            </a:r>
+            <a:r>
+              <a:rPr kumimoji="1" lang="ja-JP" altLang="en-US" sz="2800" dirty="0" smtClean="0">
+                <a:latin typeface="+mj-ea"/>
+                <a:ea typeface="+mj-ea"/>
+              </a:rPr>
+              <a:t>や手法</a:t>
+            </a:r>
+            <a:r>
+              <a:rPr kumimoji="1" lang="ja-JP" altLang="en-US" sz="2800" dirty="0">
+                <a:latin typeface="+mj-ea"/>
+                <a:ea typeface="+mj-ea"/>
+              </a:rPr>
+              <a:t>の紹介</a:t>
+            </a:r>
+            <a:r>
+              <a:rPr kumimoji="1" lang="en-US" altLang="ja-JP" sz="2800" dirty="0">
+                <a:latin typeface="+mj-ea"/>
+                <a:ea typeface="+mj-ea"/>
+              </a:rPr>
+              <a:t> </a:t>
+            </a:r>
+            <a:r>
+              <a:rPr kumimoji="1" lang="ja-JP" altLang="en-US" sz="2800" dirty="0">
+                <a:latin typeface="+mj-ea"/>
+                <a:ea typeface="+mj-ea"/>
+              </a:rPr>
+              <a:t>等</a:t>
+            </a:r>
+            <a:endParaRPr kumimoji="1" lang="en-US" altLang="ja-JP" sz="2800" dirty="0">
+              <a:latin typeface="+mj-ea"/>
+              <a:ea typeface="+mj-ea"/>
+            </a:endParaRPr>
+          </a:p>
+        </p:txBody>
+      </p:sp>
+      <p:sp>
+        <p:nvSpPr>
+          <p:cNvPr id="8" name="正方形/長方形 7"/>
+          <p:cNvSpPr/>
+          <p:nvPr/>
+        </p:nvSpPr>
+        <p:spPr>
+          <a:xfrm>
+            <a:off x="2461361" y="4337101"/>
+            <a:ext cx="6593431" cy="1260000"/>
+          </a:xfrm>
+          <a:prstGeom prst="rect">
+            <a:avLst/>
+          </a:prstGeom>
+          <a:ln>
+            <a:solidFill>
+              <a:schemeClr val="accent6">
+                <a:lumMod val="75000"/>
+              </a:schemeClr>
+            </a:solidFill>
+          </a:ln>
+        </p:spPr>
+        <p:style>
+          <a:lnRef idx="2">
+            <a:schemeClr val="accent3"/>
+          </a:lnRef>
+          <a:fillRef idx="1">
+            <a:schemeClr val="lt1"/>
+          </a:fillRef>
+          <a:effectRef idx="0">
+            <a:schemeClr val="accent3"/>
+          </a:effectRef>
+          <a:fontRef idx="minor">
+            <a:schemeClr val="dk1"/>
+          </a:fontRef>
+        </p:style>
+        <p:txBody>
+          <a:bodyPr rtlCol="0" anchor="ctr"/>
+          <a:lstStyle/>
+          <a:p>
+            <a:pPr marL="342900" indent="-342900">
+              <a:buFont typeface="Arial" charset="0"/>
+              <a:buChar char="•"/>
+            </a:pPr>
+            <a:r>
+              <a:rPr lang="en-US" altLang="ja-JP" sz="2800" dirty="0">
+                <a:latin typeface="+mj-ea"/>
+                <a:ea typeface="+mj-ea"/>
+              </a:rPr>
+              <a:t>R</a:t>
+            </a:r>
+            <a:r>
+              <a:rPr lang="ja-JP" altLang="en-US" sz="2800" dirty="0">
+                <a:latin typeface="+mj-ea"/>
+                <a:ea typeface="+mj-ea"/>
+              </a:rPr>
+              <a:t>や分析に関するネタ</a:t>
+            </a:r>
+            <a:endParaRPr lang="en-US" altLang="ja-JP" sz="2800" dirty="0">
+              <a:latin typeface="+mj-ea"/>
+              <a:ea typeface="+mj-ea"/>
+            </a:endParaRPr>
+          </a:p>
+          <a:p>
+            <a:pPr marL="342900" indent="-342900">
+              <a:buFont typeface="Arial" charset="0"/>
+              <a:buChar char="•"/>
+            </a:pPr>
+            <a:r>
+              <a:rPr lang="ja-JP" altLang="en-US" sz="2800" dirty="0">
+                <a:latin typeface="+mj-ea"/>
+                <a:ea typeface="+mj-ea"/>
+              </a:rPr>
+              <a:t>自分の話したいことを話す</a:t>
+            </a:r>
+            <a:endParaRPr lang="en-US" altLang="ja-JP" sz="2400" dirty="0">
+              <a:latin typeface="+mj-ea"/>
+              <a:ea typeface="+mj-ea"/>
+            </a:endParaRPr>
+          </a:p>
+        </p:txBody>
+      </p:sp>
+    </p:spTree>
+    <p:extLst>
+      <p:ext uri="{BB962C8B-B14F-4D97-AF65-F5344CB8AC3E}">
+        <p14:creationId xmlns:p14="http://schemas.microsoft.com/office/powerpoint/2010/main" val="1466852449"/>
+      </p:ext>
+    </p:extLst>
+  </p:cSld>
+  <p:clrMapOvr>
+    <a:masterClrMapping/>
+  </p:clrMapOvr>
+</p:sld>
+</file>
+
+<file path=ppt/slides/slide6.xml><?xml version="1.0" encoding="utf-8"?>
+<p:sld xmlns:a="http://schemas.openxmlformats.org/drawingml/2006/main" xmlns:r="http://schemas.openxmlformats.org/officeDocument/2006/relationships" xmlns:p="http://schemas.openxmlformats.org/presentationml/2006/main">
+  <p:cSld>
+    <p:spTree>
+      <p:nvGrpSpPr>
+        <p:cNvPr id="1" name=""/>
+        <p:cNvGrpSpPr/>
+        <p:nvPr/>
+      </p:nvGrpSpPr>
+      <p:grpSpPr>
+        <a:xfrm>
+          <a:off x="0" y="0"/>
+          <a:ext cx="0" cy="0"/>
+          <a:chOff x="0" y="0"/>
+          <a:chExt cx="0" cy="0"/>
+        </a:xfrm>
+      </p:grpSpPr>
+      <p:sp>
+        <p:nvSpPr>
+          <p:cNvPr id="2" name="タイトル 1"/>
+          <p:cNvSpPr txBox="1">
+            <a:spLocks/>
+          </p:cNvSpPr>
+          <p:nvPr/>
+        </p:nvSpPr>
+        <p:spPr>
+          <a:xfrm>
+            <a:off x="1306551" y="1046162"/>
+            <a:ext cx="10515600" cy="1325563"/>
+          </a:xfrm>
+          <a:prstGeom prst="rect">
+            <a:avLst/>
+          </a:prstGeom>
+        </p:spPr>
+        <p:txBody>
+          <a:bodyPr/>
+          <a:lstStyle>
+            <a:lvl1pPr algn="l" defTabSz="914400" rtl="0" eaLnBrk="1" latinLnBrk="0" hangingPunct="1">
+              <a:lnSpc>
+                <a:spcPct val="90000"/>
+              </a:lnSpc>
+              <a:spcBef>
+                <a:spcPct val="0"/>
+              </a:spcBef>
+              <a:buNone/>
+              <a:defRPr kumimoji="1" sz="4400" kern="1200">
+                <a:solidFill>
+                  <a:schemeClr val="tx1"/>
+                </a:solidFill>
+                <a:latin typeface="+mj-lt"/>
+                <a:ea typeface="+mj-ea"/>
+                <a:cs typeface="+mj-cs"/>
+              </a:defRPr>
+            </a:lvl1pPr>
+          </a:lstStyle>
+          <a:p>
+            <a:r>
+              <a:rPr lang="ja-JP" altLang="en-US" b="1" smtClean="0"/>
+              <a:t>懇親会もあります</a:t>
+            </a:r>
+            <a:endParaRPr lang="ja-JP" altLang="en-US" b="1" dirty="0"/>
+          </a:p>
+        </p:txBody>
+      </p:sp>
+      <p:sp>
+        <p:nvSpPr>
+          <p:cNvPr id="3" name="コンテンツ プレースホルダー 2"/>
+          <p:cNvSpPr txBox="1">
+            <a:spLocks/>
+          </p:cNvSpPr>
+          <p:nvPr/>
+        </p:nvSpPr>
+        <p:spPr>
+          <a:xfrm>
+            <a:off x="1306551" y="2506662"/>
+            <a:ext cx="10515600" cy="4351338"/>
+          </a:xfrm>
+          <a:prstGeom prst="rect">
+            <a:avLst/>
+          </a:prstGeom>
+        </p:spPr>
+        <p:txBody>
+          <a:bodyPr/>
+          <a:lstStyle>
+            <a:lvl1pPr marL="228600" indent="-228600" algn="l" defTabSz="914400" rtl="0" eaLnBrk="1" latinLnBrk="0" hangingPunct="1">
+              <a:lnSpc>
+                <a:spcPct val="90000"/>
+              </a:lnSpc>
+              <a:spcBef>
+                <a:spcPts val="1000"/>
+              </a:spcBef>
+              <a:buFont typeface="Arial" panose="020B0604020202020204" pitchFamily="34" charset="0"/>
+              <a:buChar char="•"/>
+              <a:defRPr kumimoji="1" sz="2800" kern="1200">
+                <a:solidFill>
+                  <a:schemeClr val="tx1"/>
+                </a:solidFill>
+                <a:latin typeface="+mn-lt"/>
+                <a:ea typeface="+mn-ea"/>
+                <a:cs typeface="+mn-cs"/>
+              </a:defRPr>
+            </a:lvl1pPr>
+            <a:lvl2pPr marL="685800" indent="-228600" algn="l" defTabSz="914400" rtl="0" eaLnBrk="1" latinLnBrk="0" hangingPunct="1">
+              <a:lnSpc>
+                <a:spcPct val="90000"/>
+              </a:lnSpc>
+              <a:spcBef>
+                <a:spcPts val="500"/>
+              </a:spcBef>
+              <a:buFont typeface="Arial" panose="020B0604020202020204" pitchFamily="34" charset="0"/>
+              <a:buChar char="•"/>
+              <a:defRPr kumimoji="1" sz="2400" kern="1200">
+                <a:solidFill>
+                  <a:schemeClr val="tx1"/>
+                </a:solidFill>
+                <a:latin typeface="+mn-lt"/>
+                <a:ea typeface="+mn-ea"/>
+                <a:cs typeface="+mn-cs"/>
+              </a:defRPr>
+            </a:lvl2pPr>
+            <a:lvl3pPr marL="1143000" indent="-228600" algn="l" defTabSz="914400" rtl="0" eaLnBrk="1" latinLnBrk="0" hangingPunct="1">
+              <a:lnSpc>
+                <a:spcPct val="90000"/>
+              </a:lnSpc>
+              <a:spcBef>
+                <a:spcPts val="500"/>
+              </a:spcBef>
+              <a:buFont typeface="Arial" panose="020B0604020202020204" pitchFamily="34" charset="0"/>
+              <a:buChar char="•"/>
+              <a:defRPr kumimoji="1" sz="2000" kern="1200">
+                <a:solidFill>
+                  <a:schemeClr val="tx1"/>
+                </a:solidFill>
+                <a:latin typeface="+mn-lt"/>
+                <a:ea typeface="+mn-ea"/>
+                <a:cs typeface="+mn-cs"/>
+              </a:defRPr>
+            </a:lvl3pPr>
+            <a:lvl4pPr marL="1600200" indent="-228600" algn="l" defTabSz="914400" rtl="0" eaLnBrk="1" latinLnBrk="0" hangingPunct="1">
+              <a:lnSpc>
+                <a:spcPct val="90000"/>
+              </a:lnSpc>
+              <a:spcBef>
+                <a:spcPts val="500"/>
+              </a:spcBef>
+              <a:buFont typeface="Arial" panose="020B0604020202020204" pitchFamily="34" charset="0"/>
+              <a:buChar char="•"/>
+              <a:defRPr kumimoji="1" sz="1800" kern="1200">
+                <a:solidFill>
+                  <a:schemeClr val="tx1"/>
+                </a:solidFill>
+                <a:latin typeface="+mn-lt"/>
+                <a:ea typeface="+mn-ea"/>
+                <a:cs typeface="+mn-cs"/>
+              </a:defRPr>
+            </a:lvl4pPr>
+            <a:lvl5pPr marL="2057400" indent="-228600" algn="l" defTabSz="914400" rtl="0" eaLnBrk="1" latinLnBrk="0" hangingPunct="1">
+              <a:lnSpc>
+                <a:spcPct val="90000"/>
+              </a:lnSpc>
+              <a:spcBef>
+                <a:spcPts val="500"/>
+              </a:spcBef>
+              <a:buFont typeface="Arial" panose="020B0604020202020204" pitchFamily="34" charset="0"/>
+              <a:buChar char="•"/>
+              <a:defRPr kumimoji="1" sz="1800" kern="1200">
+                <a:solidFill>
+                  <a:schemeClr val="tx1"/>
+                </a:solidFill>
+                <a:latin typeface="+mn-lt"/>
+                <a:ea typeface="+mn-ea"/>
+                <a:cs typeface="+mn-cs"/>
+              </a:defRPr>
+            </a:lvl5pPr>
+            <a:lvl6pPr marL="2514600" indent="-228600" algn="l" defTabSz="914400" rtl="0" eaLnBrk="1" latinLnBrk="0" hangingPunct="1">
+              <a:lnSpc>
+                <a:spcPct val="90000"/>
+              </a:lnSpc>
+              <a:spcBef>
+                <a:spcPts val="500"/>
+              </a:spcBef>
+              <a:buFont typeface="Arial" panose="020B0604020202020204" pitchFamily="34" charset="0"/>
+              <a:buChar char="•"/>
+              <a:defRPr kumimoji="1" sz="1800" kern="1200">
+                <a:solidFill>
+                  <a:schemeClr val="tx1"/>
+                </a:solidFill>
+                <a:latin typeface="+mn-lt"/>
+                <a:ea typeface="+mn-ea"/>
+                <a:cs typeface="+mn-cs"/>
+              </a:defRPr>
+            </a:lvl6pPr>
+            <a:lvl7pPr marL="2971800" indent="-228600" algn="l" defTabSz="914400" rtl="0" eaLnBrk="1" latinLnBrk="0" hangingPunct="1">
+              <a:lnSpc>
+                <a:spcPct val="90000"/>
+              </a:lnSpc>
+              <a:spcBef>
+                <a:spcPts val="500"/>
+              </a:spcBef>
+              <a:buFont typeface="Arial" panose="020B0604020202020204" pitchFamily="34" charset="0"/>
+              <a:buChar char="•"/>
+              <a:defRPr kumimoji="1" sz="1800" kern="1200">
+                <a:solidFill>
+                  <a:schemeClr val="tx1"/>
+                </a:solidFill>
+                <a:latin typeface="+mn-lt"/>
+                <a:ea typeface="+mn-ea"/>
+                <a:cs typeface="+mn-cs"/>
+              </a:defRPr>
+            </a:lvl7pPr>
+            <a:lvl8pPr marL="3429000" indent="-228600" algn="l" defTabSz="914400" rtl="0" eaLnBrk="1" latinLnBrk="0" hangingPunct="1">
+              <a:lnSpc>
+                <a:spcPct val="90000"/>
+              </a:lnSpc>
+              <a:spcBef>
+                <a:spcPts val="500"/>
+              </a:spcBef>
+              <a:buFont typeface="Arial" panose="020B0604020202020204" pitchFamily="34" charset="0"/>
+              <a:buChar char="•"/>
+              <a:defRPr kumimoji="1" sz="1800" kern="1200">
+                <a:solidFill>
+                  <a:schemeClr val="tx1"/>
+                </a:solidFill>
+                <a:latin typeface="+mn-lt"/>
+                <a:ea typeface="+mn-ea"/>
+                <a:cs typeface="+mn-cs"/>
+              </a:defRPr>
+            </a:lvl8pPr>
+            <a:lvl9pPr marL="3886200" indent="-228600" algn="l" defTabSz="914400" rtl="0" eaLnBrk="1" latinLnBrk="0" hangingPunct="1">
+              <a:lnSpc>
+                <a:spcPct val="90000"/>
+              </a:lnSpc>
+              <a:spcBef>
+                <a:spcPts val="500"/>
+              </a:spcBef>
+              <a:buFont typeface="Arial" panose="020B0604020202020204" pitchFamily="34" charset="0"/>
+              <a:buChar char="•"/>
+              <a:defRPr kumimoji="1" sz="1800" kern="1200">
+                <a:solidFill>
+                  <a:schemeClr val="tx1"/>
+                </a:solidFill>
+                <a:latin typeface="+mn-lt"/>
+                <a:ea typeface="+mn-ea"/>
+                <a:cs typeface="+mn-cs"/>
+              </a:defRPr>
+            </a:lvl9pPr>
+          </a:lstStyle>
+          <a:p>
+            <a:r>
+              <a:rPr lang="en-US" altLang="ja-JP" sz="3600" dirty="0" smtClean="0">
+                <a:latin typeface="+mj-ea"/>
+                <a:ea typeface="+mj-ea"/>
+              </a:rPr>
+              <a:t>1</a:t>
+            </a:r>
+            <a:r>
+              <a:rPr lang="ja-JP" altLang="en-US" sz="3600" dirty="0" smtClean="0">
+                <a:latin typeface="+mj-ea"/>
+                <a:ea typeface="+mj-ea"/>
+              </a:rPr>
+              <a:t>次会：会場で立食パーティ</a:t>
+            </a:r>
+            <a:endParaRPr lang="en-US" altLang="ja-JP" sz="3600" dirty="0" smtClean="0">
+              <a:latin typeface="+mj-ea"/>
+              <a:ea typeface="+mj-ea"/>
+            </a:endParaRPr>
+          </a:p>
+          <a:p>
+            <a:pPr lvl="1">
+              <a:spcBef>
+                <a:spcPts val="1100"/>
+              </a:spcBef>
+            </a:pPr>
+            <a:r>
+              <a:rPr lang="ja-JP" altLang="en-US" sz="2800" dirty="0" smtClean="0">
+                <a:latin typeface="+mj-ea"/>
+                <a:ea typeface="+mj-ea"/>
+              </a:rPr>
+              <a:t>発表者</a:t>
+            </a:r>
+            <a:r>
+              <a:rPr lang="en-US" altLang="ja-JP" sz="2800" dirty="0" smtClean="0">
+                <a:latin typeface="+mj-ea"/>
+                <a:ea typeface="+mj-ea"/>
+              </a:rPr>
+              <a:t>(LT</a:t>
+            </a:r>
+            <a:r>
+              <a:rPr lang="ja-JP" altLang="en-US" sz="2800" dirty="0" smtClean="0">
+                <a:latin typeface="+mj-ea"/>
+                <a:ea typeface="+mj-ea"/>
+              </a:rPr>
+              <a:t>除く</a:t>
+            </a:r>
+            <a:r>
+              <a:rPr lang="en-US" altLang="ja-JP" sz="2800" dirty="0" smtClean="0">
+                <a:latin typeface="+mj-ea"/>
+                <a:ea typeface="+mj-ea"/>
+              </a:rPr>
+              <a:t>)</a:t>
+            </a:r>
+            <a:r>
+              <a:rPr lang="ja-JP" altLang="en-US" sz="2800" dirty="0" smtClean="0">
+                <a:latin typeface="+mj-ea"/>
+                <a:ea typeface="+mj-ea"/>
+              </a:rPr>
+              <a:t>：無料</a:t>
+            </a:r>
+            <a:endParaRPr lang="en-US" altLang="ja-JP" sz="2800" dirty="0" smtClean="0">
+              <a:latin typeface="+mj-ea"/>
+              <a:ea typeface="+mj-ea"/>
+            </a:endParaRPr>
+          </a:p>
+          <a:p>
+            <a:endParaRPr lang="en-US" altLang="ja-JP" dirty="0" smtClean="0">
+              <a:latin typeface="+mj-ea"/>
+              <a:ea typeface="+mj-ea"/>
+            </a:endParaRPr>
+          </a:p>
+          <a:p>
+            <a:r>
+              <a:rPr lang="en-US" altLang="ja-JP" sz="3600" dirty="0" smtClean="0">
+                <a:latin typeface="+mj-ea"/>
+                <a:ea typeface="+mj-ea"/>
+              </a:rPr>
+              <a:t>2</a:t>
+            </a:r>
+            <a:r>
+              <a:rPr lang="ja-JP" altLang="en-US" sz="3600" dirty="0" smtClean="0">
+                <a:latin typeface="+mj-ea"/>
+                <a:ea typeface="+mj-ea"/>
+              </a:rPr>
+              <a:t>次会：近くの居酒屋とか</a:t>
+            </a:r>
+            <a:endParaRPr lang="ja-JP" altLang="en-US" sz="3600" dirty="0">
+              <a:latin typeface="+mj-ea"/>
+              <a:ea typeface="+mj-ea"/>
+            </a:endParaRPr>
+          </a:p>
+        </p:txBody>
+      </p:sp>
+    </p:spTree>
+    <p:extLst>
+      <p:ext uri="{BB962C8B-B14F-4D97-AF65-F5344CB8AC3E}">
+        <p14:creationId xmlns:p14="http://schemas.microsoft.com/office/powerpoint/2010/main" val="8605789"/>
       </p:ext>
     </p:extLst>
   </p:cSld>
@@ -7288,10 +8296,536 @@
           <a:chExt cx="0" cy="0"/>
         </a:xfrm>
       </p:grpSpPr>
+      <p:sp>
+        <p:nvSpPr>
+          <p:cNvPr id="2" name="タイトル 1"/>
+          <p:cNvSpPr txBox="1">
+            <a:spLocks/>
+          </p:cNvSpPr>
+          <p:nvPr/>
+        </p:nvSpPr>
+        <p:spPr>
+          <a:xfrm>
+            <a:off x="682083" y="689324"/>
+            <a:ext cx="10515600" cy="760336"/>
+          </a:xfrm>
+          <a:prstGeom prst="rect">
+            <a:avLst/>
+          </a:prstGeom>
+        </p:spPr>
+        <p:txBody>
+          <a:bodyPr/>
+          <a:lstStyle>
+            <a:lvl1pPr algn="l" defTabSz="914400" rtl="0" eaLnBrk="1" latinLnBrk="0" hangingPunct="1">
+              <a:lnSpc>
+                <a:spcPct val="90000"/>
+              </a:lnSpc>
+              <a:spcBef>
+                <a:spcPct val="0"/>
+              </a:spcBef>
+              <a:buNone/>
+              <a:defRPr kumimoji="1" sz="4400" kern="1200">
+                <a:solidFill>
+                  <a:schemeClr val="tx1"/>
+                </a:solidFill>
+                <a:latin typeface="+mj-lt"/>
+                <a:ea typeface="+mj-ea"/>
+                <a:cs typeface="+mj-cs"/>
+              </a:defRPr>
+            </a:lvl1pPr>
+          </a:lstStyle>
+          <a:p>
+            <a:r>
+              <a:rPr lang="ja-JP" altLang="en-US" b="1" dirty="0" smtClean="0"/>
+              <a:t>大事</a:t>
+            </a:r>
+            <a:r>
+              <a:rPr lang="ja-JP" altLang="en-US" b="1" smtClean="0"/>
+              <a:t>なこと</a:t>
+            </a:r>
+            <a:endParaRPr lang="ja-JP" altLang="en-US" b="1" dirty="0"/>
+          </a:p>
+        </p:txBody>
+      </p:sp>
+      <p:sp>
+        <p:nvSpPr>
+          <p:cNvPr id="4" name="テキスト ボックス 3"/>
+          <p:cNvSpPr txBox="1"/>
+          <p:nvPr/>
+        </p:nvSpPr>
+        <p:spPr>
+          <a:xfrm>
+            <a:off x="682083" y="2014886"/>
+            <a:ext cx="8545929" cy="3416320"/>
+          </a:xfrm>
+          <a:prstGeom prst="rect">
+            <a:avLst/>
+          </a:prstGeom>
+          <a:noFill/>
+        </p:spPr>
+        <p:txBody>
+          <a:bodyPr wrap="none" rtlCol="0">
+            <a:spAutoFit/>
+          </a:bodyPr>
+          <a:lstStyle/>
+          <a:p>
+            <a:r>
+              <a:rPr kumimoji="1" lang="ja-JP" altLang="en-US" sz="3600" dirty="0" smtClean="0"/>
+              <a:t>・</a:t>
+            </a:r>
+            <a:r>
+              <a:rPr kumimoji="1" lang="en-US" altLang="ja-JP" sz="3600" dirty="0" smtClean="0"/>
+              <a:t> </a:t>
+            </a:r>
+            <a:r>
+              <a:rPr kumimoji="1" lang="ja-JP" altLang="en-US" sz="3600" dirty="0" smtClean="0"/>
+              <a:t>アンチハラスメントポリシー</a:t>
+            </a:r>
+            <a:endParaRPr kumimoji="1" lang="en-US" altLang="ja-JP" sz="3600" dirty="0" smtClean="0"/>
+          </a:p>
+          <a:p>
+            <a:r>
+              <a:rPr lang="en-US" altLang="ja-JP" sz="3600" dirty="0"/>
+              <a:t> </a:t>
+            </a:r>
+            <a:r>
+              <a:rPr lang="ja-JP" altLang="en-US" sz="3600" dirty="0" smtClean="0"/>
+              <a:t>→</a:t>
+            </a:r>
+            <a:r>
+              <a:rPr lang="en-US" altLang="ja-JP" sz="3600" dirty="0" smtClean="0"/>
+              <a:t> </a:t>
+            </a:r>
+            <a:r>
+              <a:rPr lang="en-US" altLang="ja-JP" sz="3600" dirty="0" err="1" smtClean="0"/>
+              <a:t>connpass</a:t>
+            </a:r>
+            <a:r>
+              <a:rPr lang="ja-JP" altLang="en-US" sz="3600" dirty="0" smtClean="0"/>
+              <a:t>に書いてあります。</a:t>
+            </a:r>
+            <a:r>
+              <a:rPr lang="en-US" altLang="ja-JP" sz="3600" dirty="0" smtClean="0"/>
+              <a:t/>
+            </a:r>
+            <a:br>
+              <a:rPr lang="en-US" altLang="ja-JP" sz="3600" dirty="0" smtClean="0"/>
+            </a:br>
+            <a:r>
+              <a:rPr lang="en-US" altLang="ja-JP" sz="3600" dirty="0" smtClean="0"/>
+              <a:t>      (</a:t>
+            </a:r>
+            <a:r>
+              <a:rPr lang="ja-JP" altLang="en-US" sz="3600" dirty="0" smtClean="0"/>
+              <a:t>読みましたよね！？</a:t>
+            </a:r>
+            <a:r>
+              <a:rPr lang="en-US" altLang="ja-JP" sz="3600" dirty="0" smtClean="0"/>
+              <a:t>)</a:t>
+            </a:r>
+          </a:p>
+          <a:p>
+            <a:endParaRPr kumimoji="1" lang="en-US" altLang="ja-JP" sz="3600" dirty="0" smtClean="0"/>
+          </a:p>
+          <a:p>
+            <a:r>
+              <a:rPr lang="ja-JP" altLang="en-US" sz="3600" dirty="0" smtClean="0"/>
+              <a:t>・</a:t>
+            </a:r>
+            <a:r>
+              <a:rPr lang="en-US" altLang="ja-JP" sz="3600" dirty="0" smtClean="0"/>
+              <a:t>R community code of conduct</a:t>
+            </a:r>
+            <a:r>
+              <a:rPr lang="en-US" altLang="ja-JP" sz="3600" dirty="0"/>
+              <a:t/>
+            </a:r>
+            <a:br>
+              <a:rPr lang="en-US" altLang="ja-JP" sz="3600" dirty="0"/>
+            </a:br>
+            <a:r>
+              <a:rPr lang="en-US" altLang="ja-JP" sz="3600" dirty="0" smtClean="0"/>
+              <a:t>   </a:t>
+            </a:r>
+            <a:r>
+              <a:rPr lang="ja-JP" altLang="en-US" sz="3600" dirty="0" smtClean="0"/>
+              <a:t>についても、よろしくお願いします。</a:t>
+            </a:r>
+            <a:r>
+              <a:rPr kumimoji="1" lang="ja-JP" altLang="en-US" sz="3600" dirty="0" smtClean="0"/>
+              <a:t> </a:t>
+            </a:r>
+            <a:endParaRPr kumimoji="1" lang="ja-JP" altLang="en-US" sz="3600" dirty="0"/>
+          </a:p>
+        </p:txBody>
+      </p:sp>
     </p:spTree>
     <p:extLst>
       <p:ext uri="{BB962C8B-B14F-4D97-AF65-F5344CB8AC3E}">
         <p14:creationId xmlns:p14="http://schemas.microsoft.com/office/powerpoint/2010/main" val="954293426"/>
+      </p:ext>
+    </p:extLst>
+  </p:cSld>
+  <p:clrMapOvr>
+    <a:masterClrMapping/>
+  </p:clrMapOvr>
+</p:sld>
+</file>
+
+<file path=ppt/slides/slide8.xml><?xml version="1.0" encoding="utf-8"?>
+<p:sld xmlns:a="http://schemas.openxmlformats.org/drawingml/2006/main" xmlns:r="http://schemas.openxmlformats.org/officeDocument/2006/relationships" xmlns:p="http://schemas.openxmlformats.org/presentationml/2006/main">
+  <p:cSld>
+    <p:spTree>
+      <p:nvGrpSpPr>
+        <p:cNvPr id="1" name=""/>
+        <p:cNvGrpSpPr/>
+        <p:nvPr/>
+      </p:nvGrpSpPr>
+      <p:grpSpPr>
+        <a:xfrm>
+          <a:off x="0" y="0"/>
+          <a:ext cx="0" cy="0"/>
+          <a:chOff x="0" y="0"/>
+          <a:chExt cx="0" cy="0"/>
+        </a:xfrm>
+      </p:grpSpPr>
+      <p:sp>
+        <p:nvSpPr>
+          <p:cNvPr id="2" name="タイトル 1"/>
+          <p:cNvSpPr txBox="1">
+            <a:spLocks/>
+          </p:cNvSpPr>
+          <p:nvPr/>
+        </p:nvSpPr>
+        <p:spPr>
+          <a:xfrm>
+            <a:off x="682083" y="689324"/>
+            <a:ext cx="10515600" cy="760336"/>
+          </a:xfrm>
+          <a:prstGeom prst="rect">
+            <a:avLst/>
+          </a:prstGeom>
+        </p:spPr>
+        <p:txBody>
+          <a:bodyPr/>
+          <a:lstStyle>
+            <a:lvl1pPr algn="l" defTabSz="914400" rtl="0" eaLnBrk="1" latinLnBrk="0" hangingPunct="1">
+              <a:lnSpc>
+                <a:spcPct val="90000"/>
+              </a:lnSpc>
+              <a:spcBef>
+                <a:spcPct val="0"/>
+              </a:spcBef>
+              <a:buNone/>
+              <a:defRPr kumimoji="1" sz="4400" kern="1200">
+                <a:solidFill>
+                  <a:schemeClr val="tx1"/>
+                </a:solidFill>
+                <a:latin typeface="+mj-lt"/>
+                <a:ea typeface="+mj-ea"/>
+                <a:cs typeface="+mj-cs"/>
+              </a:defRPr>
+            </a:lvl1pPr>
+          </a:lstStyle>
+          <a:p>
+            <a:r>
+              <a:rPr lang="ja-JP" altLang="en-US" b="1" dirty="0" smtClean="0"/>
+              <a:t>次回！！</a:t>
+            </a:r>
+            <a:endParaRPr lang="ja-JP" altLang="en-US" b="1" dirty="0"/>
+          </a:p>
+        </p:txBody>
+      </p:sp>
+    </p:spTree>
+    <p:extLst>
+      <p:ext uri="{BB962C8B-B14F-4D97-AF65-F5344CB8AC3E}">
+        <p14:creationId xmlns:p14="http://schemas.microsoft.com/office/powerpoint/2010/main" val="894119377"/>
+      </p:ext>
+    </p:extLst>
+  </p:cSld>
+  <p:clrMapOvr>
+    <a:masterClrMapping/>
+  </p:clrMapOvr>
+</p:sld>
+</file>
+
+<file path=ppt/slides/slide9.xml><?xml version="1.0" encoding="utf-8"?>
+<p:sld xmlns:a="http://schemas.openxmlformats.org/drawingml/2006/main" xmlns:r="http://schemas.openxmlformats.org/officeDocument/2006/relationships" xmlns:p="http://schemas.openxmlformats.org/presentationml/2006/main">
+  <p:cSld>
+    <p:spTree>
+      <p:nvGrpSpPr>
+        <p:cNvPr id="1" name=""/>
+        <p:cNvGrpSpPr/>
+        <p:nvPr/>
+      </p:nvGrpSpPr>
+      <p:grpSpPr>
+        <a:xfrm>
+          <a:off x="0" y="0"/>
+          <a:ext cx="0" cy="0"/>
+          <a:chOff x="0" y="0"/>
+          <a:chExt cx="0" cy="0"/>
+        </a:xfrm>
+      </p:grpSpPr>
+      <p:sp>
+        <p:nvSpPr>
+          <p:cNvPr id="2" name="タイトル 1"/>
+          <p:cNvSpPr txBox="1">
+            <a:spLocks/>
+          </p:cNvSpPr>
+          <p:nvPr/>
+        </p:nvSpPr>
+        <p:spPr>
+          <a:xfrm>
+            <a:off x="682083" y="689324"/>
+            <a:ext cx="10515600" cy="760336"/>
+          </a:xfrm>
+          <a:prstGeom prst="rect">
+            <a:avLst/>
+          </a:prstGeom>
+        </p:spPr>
+        <p:txBody>
+          <a:bodyPr/>
+          <a:lstStyle>
+            <a:lvl1pPr algn="l" defTabSz="914400" rtl="0" eaLnBrk="1" latinLnBrk="0" hangingPunct="1">
+              <a:lnSpc>
+                <a:spcPct val="90000"/>
+              </a:lnSpc>
+              <a:spcBef>
+                <a:spcPct val="0"/>
+              </a:spcBef>
+              <a:buNone/>
+              <a:defRPr kumimoji="1" sz="4400" kern="1200">
+                <a:solidFill>
+                  <a:schemeClr val="tx1"/>
+                </a:solidFill>
+                <a:latin typeface="+mj-lt"/>
+                <a:ea typeface="+mj-ea"/>
+                <a:cs typeface="+mj-cs"/>
+              </a:defRPr>
+            </a:lvl1pPr>
+          </a:lstStyle>
+          <a:p>
+            <a:r>
+              <a:rPr lang="ja-JP" altLang="en-US" b="1" dirty="0" smtClean="0"/>
+              <a:t>次回！！</a:t>
+            </a:r>
+            <a:endParaRPr lang="ja-JP" altLang="en-US" b="1" dirty="0"/>
+          </a:p>
+        </p:txBody>
+      </p:sp>
+      <p:sp>
+        <p:nvSpPr>
+          <p:cNvPr id="3" name="テキスト ボックス 2"/>
+          <p:cNvSpPr txBox="1"/>
+          <p:nvPr/>
+        </p:nvSpPr>
+        <p:spPr>
+          <a:xfrm>
+            <a:off x="1360449" y="1538875"/>
+            <a:ext cx="3884397" cy="769441"/>
+          </a:xfrm>
+          <a:prstGeom prst="rect">
+            <a:avLst/>
+          </a:prstGeom>
+          <a:noFill/>
+        </p:spPr>
+        <p:txBody>
+          <a:bodyPr wrap="none" rtlCol="0">
+            <a:spAutoFit/>
+          </a:bodyPr>
+          <a:lstStyle/>
+          <a:p>
+            <a:r>
+              <a:rPr lang="en-US" altLang="ja-JP" sz="4400" dirty="0" smtClean="0"/>
+              <a:t>8</a:t>
+            </a:r>
+            <a:r>
+              <a:rPr lang="ja-JP" altLang="en-US" sz="4400" dirty="0" smtClean="0"/>
+              <a:t>月はお休み。</a:t>
+            </a:r>
+            <a:endParaRPr kumimoji="1" lang="ja-JP" altLang="en-US" sz="4400" dirty="0"/>
+          </a:p>
+        </p:txBody>
+      </p:sp>
+      <p:sp>
+        <p:nvSpPr>
+          <p:cNvPr id="4" name="テキスト ボックス 3"/>
+          <p:cNvSpPr txBox="1"/>
+          <p:nvPr/>
+        </p:nvSpPr>
+        <p:spPr>
+          <a:xfrm>
+            <a:off x="1360449" y="2225810"/>
+            <a:ext cx="7411003" cy="1323439"/>
+          </a:xfrm>
+          <a:prstGeom prst="rect">
+            <a:avLst/>
+          </a:prstGeom>
+          <a:noFill/>
+        </p:spPr>
+        <p:txBody>
+          <a:bodyPr wrap="none" rtlCol="0">
+            <a:spAutoFit/>
+          </a:bodyPr>
+          <a:lstStyle/>
+          <a:p>
+            <a:r>
+              <a:rPr lang="ja-JP" altLang="en-US" sz="5400" dirty="0" smtClean="0"/>
+              <a:t>次回は</a:t>
+            </a:r>
+            <a:r>
+              <a:rPr lang="en-US" altLang="ja-JP" sz="8000" b="1" dirty="0" smtClean="0"/>
+              <a:t>9</a:t>
+            </a:r>
+            <a:r>
+              <a:rPr lang="ja-JP" altLang="en-US" sz="8000" b="1" dirty="0" smtClean="0"/>
+              <a:t>月</a:t>
+            </a:r>
+            <a:r>
+              <a:rPr lang="en-US" altLang="ja-JP" sz="8000" b="1" dirty="0" smtClean="0"/>
+              <a:t>28</a:t>
+            </a:r>
+            <a:r>
+              <a:rPr lang="ja-JP" altLang="en-US" sz="8000" b="1" dirty="0" smtClean="0"/>
+              <a:t>日</a:t>
+            </a:r>
+            <a:r>
+              <a:rPr lang="ja-JP" altLang="en-US" sz="5400" dirty="0" smtClean="0"/>
+              <a:t>！！</a:t>
+            </a:r>
+            <a:endParaRPr kumimoji="1" lang="ja-JP" altLang="en-US" sz="5400" dirty="0"/>
+          </a:p>
+        </p:txBody>
+      </p:sp>
+      <p:sp>
+        <p:nvSpPr>
+          <p:cNvPr id="5" name="爆発 2 4"/>
+          <p:cNvSpPr/>
+          <p:nvPr/>
+        </p:nvSpPr>
+        <p:spPr>
+          <a:xfrm rot="460072">
+            <a:off x="-85437" y="3231738"/>
+            <a:ext cx="8965581" cy="3568390"/>
+          </a:xfrm>
+          <a:prstGeom prst="irregularSeal2">
+            <a:avLst/>
+          </a:prstGeom>
+          <a:solidFill>
+            <a:schemeClr val="tx1">
+              <a:lumMod val="65000"/>
+              <a:lumOff val="35000"/>
+            </a:schemeClr>
+          </a:solidFill>
+          <a:ln>
+            <a:noFill/>
+          </a:ln>
+        </p:spPr>
+        <p:style>
+          <a:lnRef idx="2">
+            <a:schemeClr val="accent1">
+              <a:shade val="50000"/>
+            </a:schemeClr>
+          </a:lnRef>
+          <a:fillRef idx="1">
+            <a:schemeClr val="accent1"/>
+          </a:fillRef>
+          <a:effectRef idx="0">
+            <a:schemeClr val="accent1"/>
+          </a:effectRef>
+          <a:fontRef idx="minor">
+            <a:schemeClr val="lt1"/>
+          </a:fontRef>
+        </p:style>
+        <p:txBody>
+          <a:bodyPr rtlCol="0" anchor="ctr"/>
+          <a:lstStyle/>
+          <a:p>
+            <a:pPr algn="ctr"/>
+            <a:endParaRPr kumimoji="1" lang="ja-JP" altLang="en-US" dirty="0"/>
+          </a:p>
+        </p:txBody>
+      </p:sp>
+      <p:sp>
+        <p:nvSpPr>
+          <p:cNvPr id="6" name="テキスト ボックス 5"/>
+          <p:cNvSpPr txBox="1"/>
+          <p:nvPr/>
+        </p:nvSpPr>
+        <p:spPr>
+          <a:xfrm>
+            <a:off x="1815816" y="4415768"/>
+            <a:ext cx="4544834" cy="1200329"/>
+          </a:xfrm>
+          <a:prstGeom prst="rect">
+            <a:avLst/>
+          </a:prstGeom>
+          <a:noFill/>
+        </p:spPr>
+        <p:txBody>
+          <a:bodyPr wrap="none" rtlCol="0">
+            <a:spAutoFit/>
+          </a:bodyPr>
+          <a:lstStyle/>
+          <a:p>
+            <a:r>
+              <a:rPr lang="en-US" altLang="ja-JP" sz="7200" b="1" dirty="0" smtClean="0">
+                <a:solidFill>
+                  <a:schemeClr val="bg1"/>
+                </a:solidFill>
+              </a:rPr>
+              <a:t>Shiny</a:t>
+            </a:r>
+            <a:r>
+              <a:rPr lang="ja-JP" altLang="en-US" sz="7200" b="1" dirty="0" smtClean="0">
+                <a:solidFill>
+                  <a:schemeClr val="bg1"/>
+                </a:solidFill>
+              </a:rPr>
+              <a:t>特集</a:t>
+            </a:r>
+            <a:endParaRPr kumimoji="1" lang="ja-JP" altLang="en-US" sz="7200" b="1" dirty="0">
+              <a:solidFill>
+                <a:schemeClr val="bg1"/>
+              </a:solidFill>
+            </a:endParaRPr>
+          </a:p>
+        </p:txBody>
+      </p:sp>
+      <p:sp>
+        <p:nvSpPr>
+          <p:cNvPr id="8" name="テキスト ボックス 7"/>
+          <p:cNvSpPr txBox="1"/>
+          <p:nvPr/>
+        </p:nvSpPr>
+        <p:spPr>
+          <a:xfrm>
+            <a:off x="6651010" y="6211669"/>
+            <a:ext cx="2492990" cy="646331"/>
+          </a:xfrm>
+          <a:prstGeom prst="rect">
+            <a:avLst/>
+          </a:prstGeom>
+          <a:noFill/>
+        </p:spPr>
+        <p:txBody>
+          <a:bodyPr wrap="none" rtlCol="0">
+            <a:spAutoFit/>
+          </a:bodyPr>
+          <a:lstStyle/>
+          <a:p>
+            <a:r>
+              <a:rPr kumimoji="1" lang="ja-JP" altLang="en-US" sz="3600" smtClean="0"/>
+              <a:t>乞うご期待</a:t>
+            </a:r>
+            <a:endParaRPr kumimoji="1" lang="ja-JP" altLang="en-US" sz="3600"/>
+          </a:p>
+        </p:txBody>
+      </p:sp>
+    </p:spTree>
+    <p:extLst>
+      <p:ext uri="{BB962C8B-B14F-4D97-AF65-F5344CB8AC3E}">
+        <p14:creationId xmlns:p14="http://schemas.microsoft.com/office/powerpoint/2010/main" val="1768006010"/>
       </p:ext>
     </p:extLst>
   </p:cSld>
